--- a/DDM_Presentation_Kapala_Marlon.pptx
+++ b/DDM_Presentation_Kapala_Marlon.pptx
@@ -3659,7 +3659,7 @@
         <p:spPr>
           <a:xfrm>
             <a:off x="2970000" y="900000"/>
-            <a:ext cx="6251400" cy="1439280"/>
+            <a:ext cx="6251040" cy="1438920"/>
           </a:xfrm>
           <a:prstGeom prst="rect">
             <a:avLst/>
@@ -3771,7 +3771,7 @@
         <p:spPr>
           <a:xfrm>
             <a:off x="1526040" y="3960000"/>
-            <a:ext cx="9139320" cy="717840"/>
+            <a:ext cx="9138960" cy="717480"/>
           </a:xfrm>
           <a:prstGeom prst="rect">
             <a:avLst/>
@@ -3892,7 +3892,7 @@
         <p:spPr>
           <a:xfrm>
             <a:off x="0" y="5396760"/>
-            <a:ext cx="3043440" cy="1456560"/>
+            <a:ext cx="3043080" cy="1456200"/>
           </a:xfrm>
           <a:prstGeom prst="rtTriangle">
             <a:avLst/>
@@ -3923,7 +3923,7 @@
         <p:spPr>
           <a:xfrm>
             <a:off x="3331800" y="4678920"/>
-            <a:ext cx="5527800" cy="944280"/>
+            <a:ext cx="5527440" cy="944280"/>
           </a:xfrm>
           <a:prstGeom prst="rect">
             <a:avLst/>
@@ -4002,7 +4002,7 @@
         <p:spPr>
           <a:xfrm>
             <a:off x="786240" y="1980000"/>
-            <a:ext cx="10618920" cy="1685520"/>
+            <a:ext cx="10618560" cy="1685160"/>
           </a:xfrm>
           <a:prstGeom prst="rect">
             <a:avLst/>
@@ -4119,7 +4119,7 @@
         <p:spPr>
           <a:xfrm>
             <a:off x="650160" y="459000"/>
-            <a:ext cx="10510920" cy="1320840"/>
+            <a:ext cx="10510560" cy="1320480"/>
           </a:xfrm>
           <a:prstGeom prst="rect">
             <a:avLst/>
@@ -4174,7 +4174,7 @@
         <p:spPr>
           <a:xfrm>
             <a:off x="0" y="5396760"/>
-            <a:ext cx="3043440" cy="1456560"/>
+            <a:ext cx="3043080" cy="1456200"/>
           </a:xfrm>
           <a:prstGeom prst="rtTriangle">
             <a:avLst/>
@@ -4205,7 +4205,7 @@
         <p:spPr>
           <a:xfrm>
             <a:off x="837720" y="1968120"/>
-            <a:ext cx="10515240" cy="821160"/>
+            <a:ext cx="10514880" cy="821160"/>
           </a:xfrm>
           <a:prstGeom prst="rect">
             <a:avLst/>
@@ -4280,7 +4280,7 @@
         <p:spPr>
           <a:xfrm>
             <a:off x="0" y="0"/>
-            <a:ext cx="7765920" cy="365760"/>
+            <a:ext cx="7765560" cy="365760"/>
           </a:xfrm>
           <a:prstGeom prst="rect">
             <a:avLst/>
@@ -4335,7 +4335,7 @@
         <p:spPr>
           <a:xfrm>
             <a:off x="0" y="6511680"/>
-            <a:ext cx="1079280" cy="344160"/>
+            <a:ext cx="1078920" cy="343800"/>
           </a:xfrm>
           <a:prstGeom prst="rect">
             <a:avLst/>
@@ -4391,7 +4391,7 @@
         <p:spPr>
           <a:xfrm>
             <a:off x="900000" y="2790000"/>
-            <a:ext cx="10497600" cy="2608920"/>
+            <a:ext cx="10497240" cy="2608560"/>
           </a:xfrm>
           <a:prstGeom prst="rect">
             <a:avLst/>
@@ -4410,7 +4410,7 @@
         <p:spPr>
           <a:xfrm>
             <a:off x="10260000" y="5400000"/>
-            <a:ext cx="1079280" cy="230040"/>
+            <a:ext cx="1078920" cy="229680"/>
           </a:xfrm>
           <a:prstGeom prst="rect">
             <a:avLst/>
@@ -4500,7 +4500,7 @@
         <p:spPr>
           <a:xfrm>
             <a:off x="838440" y="0"/>
-            <a:ext cx="10510920" cy="6854040"/>
+            <a:ext cx="10510560" cy="6853680"/>
           </a:xfrm>
           <a:prstGeom prst="rect">
             <a:avLst/>
@@ -4555,7 +4555,7 @@
         <p:spPr>
           <a:xfrm>
             <a:off x="0" y="5396760"/>
-            <a:ext cx="3043440" cy="1456560"/>
+            <a:ext cx="3043080" cy="1456200"/>
           </a:xfrm>
           <a:prstGeom prst="rtTriangle">
             <a:avLst/>
@@ -4586,7 +4586,7 @@
         <p:spPr>
           <a:xfrm>
             <a:off x="837720" y="1968120"/>
-            <a:ext cx="10515240" cy="638280"/>
+            <a:ext cx="10514880" cy="638280"/>
           </a:xfrm>
           <a:prstGeom prst="rect">
             <a:avLst/>
@@ -4645,7 +4645,7 @@
         <p:spPr>
           <a:xfrm>
             <a:off x="0" y="0"/>
-            <a:ext cx="7765920" cy="365760"/>
+            <a:ext cx="7765560" cy="365760"/>
           </a:xfrm>
           <a:prstGeom prst="rect">
             <a:avLst/>
@@ -4700,7 +4700,7 @@
         <p:spPr>
           <a:xfrm>
             <a:off x="0" y="6511680"/>
-            <a:ext cx="1079280" cy="344160"/>
+            <a:ext cx="1078920" cy="343800"/>
           </a:xfrm>
           <a:prstGeom prst="rect">
             <a:avLst/>
@@ -4794,7 +4794,7 @@
         <p:spPr>
           <a:xfrm>
             <a:off x="1620000" y="2676240"/>
-            <a:ext cx="8998200" cy="3381480"/>
+            <a:ext cx="8997840" cy="3381120"/>
           </a:xfrm>
           <a:prstGeom prst="rect">
             <a:avLst/>
@@ -4813,7 +4813,7 @@
         <p:spPr>
           <a:xfrm>
             <a:off x="650160" y="459000"/>
-            <a:ext cx="10510920" cy="1320840"/>
+            <a:ext cx="10510560" cy="1320480"/>
           </a:xfrm>
           <a:prstGeom prst="rect">
             <a:avLst/>
@@ -4868,7 +4868,7 @@
         <p:spPr>
           <a:xfrm>
             <a:off x="0" y="5396760"/>
-            <a:ext cx="3043440" cy="1456560"/>
+            <a:ext cx="3043080" cy="1456200"/>
           </a:xfrm>
           <a:prstGeom prst="rtTriangle">
             <a:avLst/>
@@ -4899,7 +4899,7 @@
         <p:spPr>
           <a:xfrm>
             <a:off x="837720" y="1968120"/>
-            <a:ext cx="10515240" cy="1186920"/>
+            <a:ext cx="10514880" cy="1186920"/>
           </a:xfrm>
           <a:prstGeom prst="rect">
             <a:avLst/>
@@ -4988,7 +4988,7 @@
         <p:spPr>
           <a:xfrm>
             <a:off x="0" y="0"/>
-            <a:ext cx="7765920" cy="365760"/>
+            <a:ext cx="7765560" cy="365760"/>
           </a:xfrm>
           <a:prstGeom prst="rect">
             <a:avLst/>
@@ -5043,7 +5043,7 @@
         <p:spPr>
           <a:xfrm>
             <a:off x="0" y="6511680"/>
-            <a:ext cx="1259280" cy="344160"/>
+            <a:ext cx="1258920" cy="343800"/>
           </a:xfrm>
           <a:prstGeom prst="rect">
             <a:avLst/>
@@ -5095,7 +5095,7 @@
         <p:spPr>
           <a:xfrm>
             <a:off x="8640000" y="5940000"/>
-            <a:ext cx="1799280" cy="230040"/>
+            <a:ext cx="1798920" cy="229680"/>
           </a:xfrm>
           <a:prstGeom prst="rect">
             <a:avLst/>
@@ -5185,7 +5185,7 @@
         <p:spPr>
           <a:xfrm>
             <a:off x="650160" y="459000"/>
-            <a:ext cx="10510920" cy="1320840"/>
+            <a:ext cx="10510560" cy="1320480"/>
           </a:xfrm>
           <a:prstGeom prst="rect">
             <a:avLst/>
@@ -5240,7 +5240,7 @@
         <p:spPr>
           <a:xfrm>
             <a:off x="0" y="5396760"/>
-            <a:ext cx="3043440" cy="1456560"/>
+            <a:ext cx="3043080" cy="1456200"/>
           </a:xfrm>
           <a:prstGeom prst="rtTriangle">
             <a:avLst/>
@@ -5271,7 +5271,7 @@
         <p:spPr>
           <a:xfrm>
             <a:off x="837720" y="1968120"/>
-            <a:ext cx="10515240" cy="4478760"/>
+            <a:ext cx="10514880" cy="4478760"/>
           </a:xfrm>
           <a:prstGeom prst="rect">
             <a:avLst/>
@@ -5540,7 +5540,7 @@
         <p:spPr>
           <a:xfrm>
             <a:off x="0" y="0"/>
-            <a:ext cx="7765920" cy="365760"/>
+            <a:ext cx="7765560" cy="365760"/>
           </a:xfrm>
           <a:prstGeom prst="rect">
             <a:avLst/>
@@ -5599,7 +5599,7 @@
         <p:spPr>
           <a:xfrm>
             <a:off x="1198800" y="2700000"/>
-            <a:ext cx="4380120" cy="1199880"/>
+            <a:ext cx="4379760" cy="1199520"/>
           </a:xfrm>
           <a:prstGeom prst="rect">
             <a:avLst/>
@@ -5622,7 +5622,7 @@
         <p:spPr>
           <a:xfrm>
             <a:off x="5788080" y="2451600"/>
-            <a:ext cx="3210840" cy="2407320"/>
+            <a:ext cx="3210480" cy="2406960"/>
           </a:xfrm>
           <a:prstGeom prst="rect">
             <a:avLst/>
@@ -5645,7 +5645,7 @@
         <p:spPr>
           <a:xfrm>
             <a:off x="8640000" y="2451600"/>
-            <a:ext cx="3211560" cy="2407320"/>
+            <a:ext cx="3211200" cy="2406960"/>
           </a:xfrm>
           <a:prstGeom prst="rect">
             <a:avLst/>
@@ -5664,7 +5664,7 @@
         <p:spPr>
           <a:xfrm>
             <a:off x="0" y="6511680"/>
-            <a:ext cx="1079280" cy="344160"/>
+            <a:ext cx="1078920" cy="343800"/>
           </a:xfrm>
           <a:prstGeom prst="rect">
             <a:avLst/>
@@ -5720,7 +5720,7 @@
         <p:spPr>
           <a:xfrm>
             <a:off x="1620000" y="5074920"/>
-            <a:ext cx="2878920" cy="320760"/>
+            <a:ext cx="2878560" cy="320400"/>
           </a:xfrm>
           <a:prstGeom prst="rect">
             <a:avLst/>
@@ -5739,7 +5739,7 @@
         <p:spPr>
           <a:xfrm>
             <a:off x="6869520" y="2451600"/>
-            <a:ext cx="1229400" cy="289080"/>
+            <a:ext cx="1229040" cy="288720"/>
           </a:xfrm>
           <a:prstGeom prst="rect">
             <a:avLst/>
@@ -5791,7 +5791,7 @@
         <p:spPr>
           <a:xfrm>
             <a:off x="9389520" y="2451600"/>
-            <a:ext cx="1589400" cy="488880"/>
+            <a:ext cx="1589040" cy="488520"/>
           </a:xfrm>
           <a:prstGeom prst="rect">
             <a:avLst/>
@@ -5881,7 +5881,7 @@
         <p:spPr>
           <a:xfrm>
             <a:off x="650160" y="459000"/>
-            <a:ext cx="10510920" cy="1320840"/>
+            <a:ext cx="10510560" cy="1320480"/>
           </a:xfrm>
           <a:prstGeom prst="rect">
             <a:avLst/>
@@ -5936,7 +5936,7 @@
         <p:spPr>
           <a:xfrm>
             <a:off x="0" y="5396760"/>
-            <a:ext cx="3043440" cy="1456560"/>
+            <a:ext cx="3043080" cy="1456200"/>
           </a:xfrm>
           <a:prstGeom prst="rtTriangle">
             <a:avLst/>
@@ -5967,7 +5967,7 @@
         <p:spPr>
           <a:xfrm>
             <a:off x="823680" y="1495800"/>
-            <a:ext cx="10515240" cy="2192760"/>
+            <a:ext cx="10514880" cy="2192760"/>
           </a:xfrm>
           <a:prstGeom prst="rect">
             <a:avLst/>
@@ -6128,7 +6128,7 @@
         <p:spPr>
           <a:xfrm>
             <a:off x="0" y="0"/>
-            <a:ext cx="7765920" cy="365760"/>
+            <a:ext cx="7765560" cy="365760"/>
           </a:xfrm>
           <a:prstGeom prst="rect">
             <a:avLst/>
@@ -6187,7 +6187,7 @@
         <p:spPr>
           <a:xfrm>
             <a:off x="3780000" y="3476160"/>
-            <a:ext cx="3778200" cy="3182040"/>
+            <a:ext cx="3777840" cy="3181680"/>
           </a:xfrm>
           <a:prstGeom prst="rect">
             <a:avLst/>
@@ -6206,7 +6206,7 @@
         <p:spPr>
           <a:xfrm>
             <a:off x="0" y="6511680"/>
-            <a:ext cx="1259280" cy="344160"/>
+            <a:ext cx="1258920" cy="343800"/>
           </a:xfrm>
           <a:prstGeom prst="rect">
             <a:avLst/>
@@ -6258,7 +6258,7 @@
         <p:spPr>
           <a:xfrm>
             <a:off x="6076080" y="6478920"/>
-            <a:ext cx="1303200" cy="230040"/>
+            <a:ext cx="1302840" cy="229680"/>
           </a:xfrm>
           <a:prstGeom prst="rect">
             <a:avLst/>
@@ -6348,7 +6348,7 @@
         <p:spPr>
           <a:xfrm>
             <a:off x="650160" y="0"/>
-            <a:ext cx="10510920" cy="6854040"/>
+            <a:ext cx="10510560" cy="6853680"/>
           </a:xfrm>
           <a:prstGeom prst="rect">
             <a:avLst/>
@@ -6403,7 +6403,7 @@
         <p:spPr>
           <a:xfrm>
             <a:off x="0" y="5396760"/>
-            <a:ext cx="3043440" cy="1456560"/>
+            <a:ext cx="3043080" cy="1456200"/>
           </a:xfrm>
           <a:prstGeom prst="rtTriangle">
             <a:avLst/>
@@ -6434,7 +6434,7 @@
         <p:spPr>
           <a:xfrm>
             <a:off x="837720" y="1968120"/>
-            <a:ext cx="10515240" cy="638280"/>
+            <a:ext cx="10514880" cy="638280"/>
           </a:xfrm>
           <a:prstGeom prst="rect">
             <a:avLst/>
@@ -6493,7 +6493,7 @@
         <p:spPr>
           <a:xfrm>
             <a:off x="0" y="0"/>
-            <a:ext cx="7765920" cy="365760"/>
+            <a:ext cx="7765560" cy="365760"/>
           </a:xfrm>
           <a:prstGeom prst="rect">
             <a:avLst/>
@@ -6548,7 +6548,7 @@
         <p:spPr>
           <a:xfrm>
             <a:off x="0" y="6511680"/>
-            <a:ext cx="1079280" cy="344160"/>
+            <a:ext cx="1078920" cy="343800"/>
           </a:xfrm>
           <a:prstGeom prst="rect">
             <a:avLst/>
@@ -6638,7 +6638,7 @@
         <p:spPr>
           <a:xfrm>
             <a:off x="650160" y="459000"/>
-            <a:ext cx="10510920" cy="1320840"/>
+            <a:ext cx="10510560" cy="1320480"/>
           </a:xfrm>
           <a:prstGeom prst="rect">
             <a:avLst/>
@@ -6693,7 +6693,7 @@
         <p:spPr>
           <a:xfrm>
             <a:off x="0" y="5396760"/>
-            <a:ext cx="3043440" cy="1456560"/>
+            <a:ext cx="3043080" cy="1456200"/>
           </a:xfrm>
           <a:prstGeom prst="rtTriangle">
             <a:avLst/>
@@ -6724,7 +6724,7 @@
         <p:spPr>
           <a:xfrm>
             <a:off x="837720" y="1968120"/>
-            <a:ext cx="10515240" cy="638280"/>
+            <a:ext cx="10514880" cy="638280"/>
           </a:xfrm>
           <a:prstGeom prst="rect">
             <a:avLst/>
@@ -6783,7 +6783,7 @@
         <p:spPr>
           <a:xfrm>
             <a:off x="0" y="0"/>
-            <a:ext cx="7765920" cy="365760"/>
+            <a:ext cx="7765560" cy="365760"/>
           </a:xfrm>
           <a:prstGeom prst="rect">
             <a:avLst/>
@@ -6842,7 +6842,7 @@
         <p:spPr>
           <a:xfrm>
             <a:off x="1625400" y="1514160"/>
-            <a:ext cx="9535680" cy="4421880"/>
+            <a:ext cx="9535320" cy="4421520"/>
           </a:xfrm>
           <a:prstGeom prst="rect">
             <a:avLst/>
@@ -6861,7 +6861,7 @@
         <p:spPr>
           <a:xfrm>
             <a:off x="0" y="6511680"/>
-            <a:ext cx="1259280" cy="344160"/>
+            <a:ext cx="1258920" cy="343800"/>
           </a:xfrm>
           <a:prstGeom prst="rect">
             <a:avLst/>
@@ -6913,7 +6913,7 @@
         <p:spPr>
           <a:xfrm>
             <a:off x="9900000" y="5938200"/>
-            <a:ext cx="1619640" cy="230040"/>
+            <a:ext cx="1619280" cy="229680"/>
           </a:xfrm>
           <a:prstGeom prst="rect">
             <a:avLst/>
@@ -7003,7 +7003,7 @@
         <p:spPr>
           <a:xfrm>
             <a:off x="650160" y="459000"/>
-            <a:ext cx="10510920" cy="1320840"/>
+            <a:ext cx="10510560" cy="1320480"/>
           </a:xfrm>
           <a:prstGeom prst="rect">
             <a:avLst/>
@@ -7058,7 +7058,7 @@
         <p:spPr>
           <a:xfrm>
             <a:off x="0" y="5396760"/>
-            <a:ext cx="3043440" cy="1456560"/>
+            <a:ext cx="3043080" cy="1456200"/>
           </a:xfrm>
           <a:prstGeom prst="rtTriangle">
             <a:avLst/>
@@ -7089,7 +7089,7 @@
         <p:spPr>
           <a:xfrm>
             <a:off x="837720" y="1968120"/>
-            <a:ext cx="10515240" cy="1918440"/>
+            <a:ext cx="10514880" cy="1918440"/>
           </a:xfrm>
           <a:prstGeom prst="rect">
             <a:avLst/>
@@ -7220,7 +7220,7 @@
         <p:spPr>
           <a:xfrm>
             <a:off x="0" y="0"/>
-            <a:ext cx="7765920" cy="365760"/>
+            <a:ext cx="7765560" cy="365760"/>
           </a:xfrm>
           <a:prstGeom prst="rect">
             <a:avLst/>
@@ -7275,7 +7275,7 @@
         <p:spPr>
           <a:xfrm>
             <a:off x="0" y="6511680"/>
-            <a:ext cx="1259280" cy="344160"/>
+            <a:ext cx="1258920" cy="343800"/>
           </a:xfrm>
           <a:prstGeom prst="rect">
             <a:avLst/>
@@ -7327,7 +7327,7 @@
         <p:spPr>
           <a:xfrm>
             <a:off x="8134920" y="6480000"/>
-            <a:ext cx="1584360" cy="230040"/>
+            <a:ext cx="1584000" cy="229680"/>
           </a:xfrm>
           <a:prstGeom prst="rect">
             <a:avLst/>
@@ -7383,7 +7383,7 @@
         <p:spPr>
           <a:xfrm>
             <a:off x="3060000" y="2483280"/>
-            <a:ext cx="6196680" cy="3995640"/>
+            <a:ext cx="6196320" cy="3995280"/>
           </a:xfrm>
           <a:prstGeom prst="rect">
             <a:avLst/>
@@ -7440,7 +7440,7 @@
         <p:spPr>
           <a:xfrm>
             <a:off x="650160" y="459000"/>
-            <a:ext cx="10510920" cy="1320840"/>
+            <a:ext cx="10510560" cy="1320480"/>
           </a:xfrm>
           <a:prstGeom prst="rect">
             <a:avLst/>
@@ -7495,7 +7495,7 @@
         <p:spPr>
           <a:xfrm>
             <a:off x="0" y="5396760"/>
-            <a:ext cx="3043440" cy="1456560"/>
+            <a:ext cx="3043080" cy="1456200"/>
           </a:xfrm>
           <a:prstGeom prst="rtTriangle">
             <a:avLst/>
@@ -7526,7 +7526,7 @@
         <p:spPr>
           <a:xfrm>
             <a:off x="837720" y="1968120"/>
-            <a:ext cx="10515240" cy="1186920"/>
+            <a:ext cx="10514880" cy="1186920"/>
           </a:xfrm>
           <a:prstGeom prst="rect">
             <a:avLst/>
@@ -7629,7 +7629,7 @@
         <p:spPr>
           <a:xfrm>
             <a:off x="0" y="0"/>
-            <a:ext cx="7765920" cy="365760"/>
+            <a:ext cx="7765560" cy="365760"/>
           </a:xfrm>
           <a:prstGeom prst="rect">
             <a:avLst/>
@@ -7684,7 +7684,7 @@
         <p:spPr>
           <a:xfrm>
             <a:off x="0" y="6511680"/>
-            <a:ext cx="1259280" cy="344160"/>
+            <a:ext cx="1258920" cy="343800"/>
           </a:xfrm>
           <a:prstGeom prst="rect">
             <a:avLst/>
@@ -7736,7 +7736,7 @@
         <p:spPr>
           <a:xfrm>
             <a:off x="9775440" y="6248880"/>
-            <a:ext cx="1563840" cy="230040"/>
+            <a:ext cx="1563480" cy="229680"/>
           </a:xfrm>
           <a:prstGeom prst="rect">
             <a:avLst/>
@@ -7792,7 +7792,7 @@
         <p:spPr>
           <a:xfrm>
             <a:off x="1980000" y="2520000"/>
-            <a:ext cx="8917200" cy="3778920"/>
+            <a:ext cx="8916840" cy="3778560"/>
           </a:xfrm>
           <a:prstGeom prst="rect">
             <a:avLst/>
@@ -7849,7 +7849,7 @@
         <p:spPr>
           <a:xfrm>
             <a:off x="838440" y="0"/>
-            <a:ext cx="10510920" cy="6854040"/>
+            <a:ext cx="10510560" cy="6853680"/>
           </a:xfrm>
           <a:prstGeom prst="rect">
             <a:avLst/>
@@ -7904,7 +7904,7 @@
         <p:spPr>
           <a:xfrm>
             <a:off x="0" y="5396760"/>
-            <a:ext cx="3043440" cy="1456560"/>
+            <a:ext cx="3043080" cy="1456200"/>
           </a:xfrm>
           <a:prstGeom prst="rtTriangle">
             <a:avLst/>
@@ -7935,7 +7935,7 @@
         <p:spPr>
           <a:xfrm>
             <a:off x="837720" y="1968120"/>
-            <a:ext cx="10515240" cy="638280"/>
+            <a:ext cx="10514880" cy="638280"/>
           </a:xfrm>
           <a:prstGeom prst="rect">
             <a:avLst/>
@@ -7994,7 +7994,7 @@
         <p:spPr>
           <a:xfrm>
             <a:off x="0" y="0"/>
-            <a:ext cx="7765920" cy="365760"/>
+            <a:ext cx="7765560" cy="365760"/>
           </a:xfrm>
           <a:prstGeom prst="rect">
             <a:avLst/>
@@ -8049,7 +8049,7 @@
         <p:spPr>
           <a:xfrm>
             <a:off x="0" y="6511680"/>
-            <a:ext cx="1259280" cy="344160"/>
+            <a:ext cx="1258920" cy="343800"/>
           </a:xfrm>
           <a:prstGeom prst="rect">
             <a:avLst/>
@@ -8139,7 +8139,7 @@
         <p:spPr>
           <a:xfrm>
             <a:off x="650160" y="459000"/>
-            <a:ext cx="10510920" cy="1320840"/>
+            <a:ext cx="10510560" cy="1320480"/>
           </a:xfrm>
           <a:prstGeom prst="rect">
             <a:avLst/>
@@ -8194,7 +8194,7 @@
         <p:spPr>
           <a:xfrm>
             <a:off x="0" y="5396760"/>
-            <a:ext cx="3043440" cy="1456560"/>
+            <a:ext cx="3043080" cy="1456200"/>
           </a:xfrm>
           <a:prstGeom prst="rtTriangle">
             <a:avLst/>
@@ -8225,7 +8225,7 @@
         <p:spPr>
           <a:xfrm>
             <a:off x="837720" y="1968120"/>
-            <a:ext cx="10515240" cy="2284200"/>
+            <a:ext cx="10514880" cy="2284200"/>
           </a:xfrm>
           <a:prstGeom prst="rect">
             <a:avLst/>
@@ -8400,7 +8400,7 @@
         <p:spPr>
           <a:xfrm>
             <a:off x="0" y="0"/>
-            <a:ext cx="7765920" cy="365760"/>
+            <a:ext cx="7765560" cy="365760"/>
           </a:xfrm>
           <a:prstGeom prst="rect">
             <a:avLst/>
@@ -8455,7 +8455,7 @@
         <p:spPr>
           <a:xfrm>
             <a:off x="0" y="6511680"/>
-            <a:ext cx="1259280" cy="344160"/>
+            <a:ext cx="1258920" cy="343800"/>
           </a:xfrm>
           <a:prstGeom prst="rect">
             <a:avLst/>
@@ -8545,7 +8545,7 @@
         <p:spPr>
           <a:xfrm>
             <a:off x="650160" y="459000"/>
-            <a:ext cx="10510920" cy="1320840"/>
+            <a:ext cx="10510560" cy="1320480"/>
           </a:xfrm>
           <a:prstGeom prst="rect">
             <a:avLst/>
@@ -8600,7 +8600,7 @@
         <p:spPr>
           <a:xfrm>
             <a:off x="0" y="5396760"/>
-            <a:ext cx="3043440" cy="1456560"/>
+            <a:ext cx="3043080" cy="1456200"/>
           </a:xfrm>
           <a:prstGeom prst="rtTriangle">
             <a:avLst/>
@@ -8631,7 +8631,7 @@
         <p:spPr>
           <a:xfrm>
             <a:off x="837720" y="1968120"/>
-            <a:ext cx="10515240" cy="2284200"/>
+            <a:ext cx="10514880" cy="2284200"/>
           </a:xfrm>
           <a:prstGeom prst="rect">
             <a:avLst/>
@@ -8822,7 +8822,7 @@
         <p:spPr>
           <a:xfrm>
             <a:off x="0" y="0"/>
-            <a:ext cx="7765920" cy="365760"/>
+            <a:ext cx="7765560" cy="365760"/>
           </a:xfrm>
           <a:prstGeom prst="rect">
             <a:avLst/>
@@ -8877,7 +8877,7 @@
         <p:spPr>
           <a:xfrm>
             <a:off x="0" y="6511680"/>
-            <a:ext cx="1079280" cy="344160"/>
+            <a:ext cx="1078920" cy="343800"/>
           </a:xfrm>
           <a:prstGeom prst="rect">
             <a:avLst/>
@@ -8967,7 +8967,7 @@
         <p:spPr>
           <a:xfrm>
             <a:off x="650160" y="459000"/>
-            <a:ext cx="10510920" cy="1320840"/>
+            <a:ext cx="10510560" cy="1320480"/>
           </a:xfrm>
           <a:prstGeom prst="rect">
             <a:avLst/>
@@ -9022,7 +9022,7 @@
         <p:spPr>
           <a:xfrm>
             <a:off x="0" y="5396760"/>
-            <a:ext cx="3043440" cy="1456560"/>
+            <a:ext cx="3043080" cy="1456200"/>
           </a:xfrm>
           <a:prstGeom prst="rtTriangle">
             <a:avLst/>
@@ -9053,7 +9053,7 @@
         <p:spPr>
           <a:xfrm>
             <a:off x="837720" y="1968120"/>
-            <a:ext cx="10515240" cy="638280"/>
+            <a:ext cx="10514880" cy="638280"/>
           </a:xfrm>
           <a:prstGeom prst="rect">
             <a:avLst/>
@@ -9112,7 +9112,7 @@
         <p:spPr>
           <a:xfrm>
             <a:off x="0" y="0"/>
-            <a:ext cx="7765920" cy="365760"/>
+            <a:ext cx="7765560" cy="365760"/>
           </a:xfrm>
           <a:prstGeom prst="rect">
             <a:avLst/>
@@ -9167,7 +9167,7 @@
         <p:spPr>
           <a:xfrm>
             <a:off x="0" y="6511680"/>
-            <a:ext cx="1259280" cy="344160"/>
+            <a:ext cx="1258920" cy="343800"/>
           </a:xfrm>
           <a:prstGeom prst="rect">
             <a:avLst/>
@@ -9223,7 +9223,7 @@
         <p:spPr>
           <a:xfrm>
             <a:off x="650160" y="1620000"/>
-            <a:ext cx="9266760" cy="3058920"/>
+            <a:ext cx="9266400" cy="3058560"/>
           </a:xfrm>
           <a:prstGeom prst="rect">
             <a:avLst/>
@@ -9242,7 +9242,7 @@
         <p:spPr>
           <a:xfrm>
             <a:off x="8777160" y="4628880"/>
-            <a:ext cx="1482120" cy="230040"/>
+            <a:ext cx="1481760" cy="229680"/>
           </a:xfrm>
           <a:prstGeom prst="rect">
             <a:avLst/>
@@ -9298,7 +9298,7 @@
         <p:spPr>
           <a:xfrm>
             <a:off x="9540000" y="1754640"/>
-            <a:ext cx="848160" cy="944280"/>
+            <a:ext cx="847800" cy="943920"/>
           </a:xfrm>
           <a:prstGeom prst="rect">
             <a:avLst/>
@@ -9321,7 +9321,7 @@
         <p:spPr>
           <a:xfrm>
             <a:off x="9918000" y="2607120"/>
-            <a:ext cx="246240" cy="2071800"/>
+            <a:ext cx="245880" cy="2071440"/>
           </a:xfrm>
           <a:prstGeom prst="rect">
             <a:avLst/>
@@ -9340,7 +9340,7 @@
         <p:spPr>
           <a:xfrm>
             <a:off x="10164600" y="3420000"/>
-            <a:ext cx="1534320" cy="345240"/>
+            <a:ext cx="1533960" cy="344880"/>
           </a:xfrm>
           <a:prstGeom prst="rect">
             <a:avLst/>
@@ -9392,7 +9392,7 @@
         <p:spPr>
           <a:xfrm>
             <a:off x="10164600" y="2080800"/>
-            <a:ext cx="1281600" cy="525240"/>
+            <a:ext cx="1281240" cy="524880"/>
           </a:xfrm>
           <a:prstGeom prst="rect">
             <a:avLst/>
@@ -9482,7 +9482,7 @@
         <p:spPr>
           <a:xfrm>
             <a:off x="838440" y="0"/>
-            <a:ext cx="10510920" cy="6854040"/>
+            <a:ext cx="10510560" cy="6853680"/>
           </a:xfrm>
           <a:prstGeom prst="rect">
             <a:avLst/>
@@ -9537,7 +9537,7 @@
         <p:spPr>
           <a:xfrm>
             <a:off x="0" y="5396760"/>
-            <a:ext cx="3043440" cy="1456560"/>
+            <a:ext cx="3043080" cy="1456200"/>
           </a:xfrm>
           <a:prstGeom prst="rtTriangle">
             <a:avLst/>
@@ -9568,7 +9568,7 @@
         <p:spPr>
           <a:xfrm>
             <a:off x="837720" y="1968120"/>
-            <a:ext cx="10515240" cy="638280"/>
+            <a:ext cx="10514880" cy="638280"/>
           </a:xfrm>
           <a:prstGeom prst="rect">
             <a:avLst/>
@@ -9627,7 +9627,7 @@
         <p:spPr>
           <a:xfrm>
             <a:off x="6963480" y="6581160"/>
-            <a:ext cx="5223600" cy="638280"/>
+            <a:ext cx="5223240" cy="638280"/>
           </a:xfrm>
           <a:prstGeom prst="rect">
             <a:avLst/>
@@ -9686,7 +9686,7 @@
         <p:spPr>
           <a:xfrm>
             <a:off x="0" y="0"/>
-            <a:ext cx="7765920" cy="365760"/>
+            <a:ext cx="7765560" cy="365760"/>
           </a:xfrm>
           <a:prstGeom prst="rect">
             <a:avLst/>
@@ -9741,7 +9741,7 @@
         <p:spPr>
           <a:xfrm>
             <a:off x="0" y="6511680"/>
-            <a:ext cx="1079280" cy="344160"/>
+            <a:ext cx="1078920" cy="343800"/>
           </a:xfrm>
           <a:prstGeom prst="rect">
             <a:avLst/>
@@ -9831,7 +9831,7 @@
         <p:spPr>
           <a:xfrm>
             <a:off x="650160" y="459000"/>
-            <a:ext cx="10510920" cy="1320840"/>
+            <a:ext cx="10510560" cy="1320480"/>
           </a:xfrm>
           <a:prstGeom prst="rect">
             <a:avLst/>
@@ -9886,7 +9886,7 @@
         <p:spPr>
           <a:xfrm>
             <a:off x="0" y="5396760"/>
-            <a:ext cx="3043440" cy="1456560"/>
+            <a:ext cx="3043080" cy="1456200"/>
           </a:xfrm>
           <a:prstGeom prst="rtTriangle">
             <a:avLst/>
@@ -9917,7 +9917,7 @@
         <p:spPr>
           <a:xfrm>
             <a:off x="837720" y="1968120"/>
-            <a:ext cx="10515240" cy="3747240"/>
+            <a:ext cx="10514880" cy="3747240"/>
           </a:xfrm>
           <a:prstGeom prst="rect">
             <a:avLst/>
@@ -10166,7 +10166,7 @@
         <p:spPr>
           <a:xfrm>
             <a:off x="0" y="0"/>
-            <a:ext cx="7765920" cy="365760"/>
+            <a:ext cx="7765560" cy="365760"/>
           </a:xfrm>
           <a:prstGeom prst="rect">
             <a:avLst/>
@@ -10221,7 +10221,7 @@
         <p:spPr>
           <a:xfrm>
             <a:off x="0" y="6498000"/>
-            <a:ext cx="1054440" cy="357840"/>
+            <a:ext cx="1054080" cy="357480"/>
           </a:xfrm>
           <a:prstGeom prst="rect">
             <a:avLst/>
@@ -10311,7 +10311,7 @@
         <p:spPr>
           <a:xfrm>
             <a:off x="650160" y="459000"/>
-            <a:ext cx="10510920" cy="1320840"/>
+            <a:ext cx="10510560" cy="1320480"/>
           </a:xfrm>
           <a:prstGeom prst="rect">
             <a:avLst/>
@@ -10366,7 +10366,7 @@
         <p:spPr>
           <a:xfrm>
             <a:off x="0" y="5396760"/>
-            <a:ext cx="3043440" cy="1456560"/>
+            <a:ext cx="3043080" cy="1456200"/>
           </a:xfrm>
           <a:prstGeom prst="rtTriangle">
             <a:avLst/>
@@ -10397,7 +10397,7 @@
         <p:spPr>
           <a:xfrm>
             <a:off x="837720" y="1968120"/>
-            <a:ext cx="10515240" cy="3015720"/>
+            <a:ext cx="10514880" cy="3015720"/>
           </a:xfrm>
           <a:prstGeom prst="rect">
             <a:avLst/>
@@ -10588,7 +10588,7 @@
         <p:spPr>
           <a:xfrm>
             <a:off x="6963480" y="6581160"/>
-            <a:ext cx="5223600" cy="268200"/>
+            <a:ext cx="5223240" cy="267840"/>
           </a:xfrm>
           <a:prstGeom prst="rect">
             <a:avLst/>
@@ -10614,7 +10614,7 @@
         <p:spPr>
           <a:xfrm>
             <a:off x="0" y="0"/>
-            <a:ext cx="7765920" cy="365760"/>
+            <a:ext cx="7765560" cy="365760"/>
           </a:xfrm>
           <a:prstGeom prst="rect">
             <a:avLst/>
@@ -10669,7 +10669,7 @@
         <p:spPr>
           <a:xfrm>
             <a:off x="360" y="6498000"/>
-            <a:ext cx="1054440" cy="357840"/>
+            <a:ext cx="1054080" cy="357480"/>
           </a:xfrm>
           <a:prstGeom prst="rect">
             <a:avLst/>
@@ -10759,7 +10759,7 @@
         <p:spPr>
           <a:xfrm>
             <a:off x="650160" y="459000"/>
-            <a:ext cx="10510920" cy="1320840"/>
+            <a:ext cx="10510560" cy="1320480"/>
           </a:xfrm>
           <a:prstGeom prst="rect">
             <a:avLst/>
@@ -10814,7 +10814,7 @@
         <p:spPr>
           <a:xfrm>
             <a:off x="0" y="5396760"/>
-            <a:ext cx="3043440" cy="1456560"/>
+            <a:ext cx="3043080" cy="1456200"/>
           </a:xfrm>
           <a:prstGeom prst="rtTriangle">
             <a:avLst/>
@@ -10845,7 +10845,7 @@
         <p:spPr>
           <a:xfrm>
             <a:off x="837720" y="1647000"/>
-            <a:ext cx="10515240" cy="3138840"/>
+            <a:ext cx="10514880" cy="3138840"/>
           </a:xfrm>
           <a:prstGeom prst="rect">
             <a:avLst/>
@@ -11266,7 +11266,7 @@
         <p:spPr>
           <a:xfrm>
             <a:off x="6963480" y="6581160"/>
-            <a:ext cx="5223600" cy="268200"/>
+            <a:ext cx="5223240" cy="267840"/>
           </a:xfrm>
           <a:prstGeom prst="rect">
             <a:avLst/>
@@ -11292,7 +11292,7 @@
         <p:spPr>
           <a:xfrm>
             <a:off x="0" y="0"/>
-            <a:ext cx="7765920" cy="365760"/>
+            <a:ext cx="7765560" cy="365760"/>
           </a:xfrm>
           <a:prstGeom prst="rect">
             <a:avLst/>
@@ -11347,7 +11347,7 @@
         <p:spPr>
           <a:xfrm>
             <a:off x="360" y="6498000"/>
-            <a:ext cx="1054440" cy="357840"/>
+            <a:ext cx="1054080" cy="357480"/>
           </a:xfrm>
           <a:prstGeom prst="rect">
             <a:avLst/>
@@ -11437,7 +11437,7 @@
         <p:spPr>
           <a:xfrm>
             <a:off x="1145880" y="0"/>
-            <a:ext cx="9896040" cy="6854040"/>
+            <a:ext cx="9895680" cy="6853680"/>
           </a:xfrm>
           <a:prstGeom prst="rect">
             <a:avLst/>
@@ -11492,7 +11492,7 @@
         <p:spPr>
           <a:xfrm>
             <a:off x="0" y="5396760"/>
-            <a:ext cx="3043440" cy="1456560"/>
+            <a:ext cx="3043080" cy="1456200"/>
           </a:xfrm>
           <a:prstGeom prst="rtTriangle">
             <a:avLst/>
@@ -11523,7 +11523,7 @@
         <p:spPr>
           <a:xfrm>
             <a:off x="837720" y="1968120"/>
-            <a:ext cx="10515240" cy="638280"/>
+            <a:ext cx="10514880" cy="638280"/>
           </a:xfrm>
           <a:prstGeom prst="rect">
             <a:avLst/>
@@ -11582,7 +11582,7 @@
         <p:spPr>
           <a:xfrm>
             <a:off x="0" y="0"/>
-            <a:ext cx="7765920" cy="365760"/>
+            <a:ext cx="7765560" cy="365760"/>
           </a:xfrm>
           <a:prstGeom prst="rect">
             <a:avLst/>
@@ -11637,7 +11637,7 @@
         <p:spPr>
           <a:xfrm>
             <a:off x="0" y="6511680"/>
-            <a:ext cx="899280" cy="344160"/>
+            <a:ext cx="898920" cy="343800"/>
           </a:xfrm>
           <a:prstGeom prst="rect">
             <a:avLst/>
@@ -11727,7 +11727,7 @@
         <p:spPr>
           <a:xfrm>
             <a:off x="650160" y="459000"/>
-            <a:ext cx="10510920" cy="1320840"/>
+            <a:ext cx="10510560" cy="1320480"/>
           </a:xfrm>
           <a:prstGeom prst="rect">
             <a:avLst/>
@@ -11782,7 +11782,7 @@
         <p:spPr>
           <a:xfrm>
             <a:off x="0" y="5396760"/>
-            <a:ext cx="3043440" cy="1456560"/>
+            <a:ext cx="3043080" cy="1456200"/>
           </a:xfrm>
           <a:prstGeom prst="rtTriangle">
             <a:avLst/>
@@ -11813,7 +11813,7 @@
         <p:spPr>
           <a:xfrm>
             <a:off x="837720" y="1968120"/>
-            <a:ext cx="10515240" cy="2649960"/>
+            <a:ext cx="10514880" cy="2649960"/>
           </a:xfrm>
           <a:prstGeom prst="rect">
             <a:avLst/>
@@ -12018,7 +12018,7 @@
         <p:spPr>
           <a:xfrm>
             <a:off x="0" y="0"/>
-            <a:ext cx="7765920" cy="365760"/>
+            <a:ext cx="7765560" cy="365760"/>
           </a:xfrm>
           <a:prstGeom prst="rect">
             <a:avLst/>
@@ -12073,7 +12073,7 @@
         <p:spPr>
           <a:xfrm>
             <a:off x="0" y="6511680"/>
-            <a:ext cx="1079280" cy="344160"/>
+            <a:ext cx="1078920" cy="343800"/>
           </a:xfrm>
           <a:prstGeom prst="rect">
             <a:avLst/>
@@ -12129,7 +12129,7 @@
         <p:spPr>
           <a:xfrm>
             <a:off x="4657320" y="4320000"/>
-            <a:ext cx="2901600" cy="2158920"/>
+            <a:ext cx="2901240" cy="2158560"/>
           </a:xfrm>
           <a:prstGeom prst="rect">
             <a:avLst/>
@@ -12148,7 +12148,7 @@
         <p:spPr>
           <a:xfrm>
             <a:off x="5580000" y="6480000"/>
-            <a:ext cx="1055880" cy="231120"/>
+            <a:ext cx="1620000" cy="230760"/>
           </a:xfrm>
           <a:prstGeom prst="rect">
             <a:avLst/>
@@ -12238,7 +12238,7 @@
         <p:spPr>
           <a:xfrm>
             <a:off x="650160" y="459000"/>
-            <a:ext cx="10510920" cy="1320840"/>
+            <a:ext cx="10510560" cy="1320480"/>
           </a:xfrm>
           <a:prstGeom prst="rect">
             <a:avLst/>
@@ -12293,7 +12293,7 @@
         <p:spPr>
           <a:xfrm>
             <a:off x="0" y="5396760"/>
-            <a:ext cx="3043440" cy="1456560"/>
+            <a:ext cx="3043080" cy="1456200"/>
           </a:xfrm>
           <a:prstGeom prst="rtTriangle">
             <a:avLst/>
@@ -12324,7 +12324,7 @@
         <p:spPr>
           <a:xfrm>
             <a:off x="837720" y="1968120"/>
-            <a:ext cx="10515240" cy="3015720"/>
+            <a:ext cx="10514880" cy="3015720"/>
           </a:xfrm>
           <a:prstGeom prst="rect">
             <a:avLst/>
@@ -12597,7 +12597,7 @@
         <p:spPr>
           <a:xfrm>
             <a:off x="0" y="0"/>
-            <a:ext cx="7765920" cy="365760"/>
+            <a:ext cx="7765560" cy="365760"/>
           </a:xfrm>
           <a:prstGeom prst="rect">
             <a:avLst/>
@@ -12656,7 +12656,7 @@
         <p:spPr>
           <a:xfrm>
             <a:off x="7920000" y="2350080"/>
-            <a:ext cx="3778920" cy="2148840"/>
+            <a:ext cx="3778560" cy="2148480"/>
           </a:xfrm>
           <a:prstGeom prst="rect">
             <a:avLst/>
@@ -12679,7 +12679,7 @@
         <p:spPr>
           <a:xfrm>
             <a:off x="7920000" y="4500000"/>
-            <a:ext cx="3796200" cy="2158920"/>
+            <a:ext cx="3795840" cy="2158560"/>
           </a:xfrm>
           <a:prstGeom prst="rect">
             <a:avLst/>
@@ -12698,7 +12698,7 @@
         <p:spPr>
           <a:xfrm>
             <a:off x="0" y="6511680"/>
-            <a:ext cx="899280" cy="344160"/>
+            <a:ext cx="898920" cy="343800"/>
           </a:xfrm>
           <a:prstGeom prst="rect">
             <a:avLst/>
@@ -12788,7 +12788,7 @@
         <p:spPr>
           <a:xfrm>
             <a:off x="650160" y="459000"/>
-            <a:ext cx="10510920" cy="1320840"/>
+            <a:ext cx="10510560" cy="1320480"/>
           </a:xfrm>
           <a:prstGeom prst="rect">
             <a:avLst/>
@@ -12843,7 +12843,7 @@
         <p:spPr>
           <a:xfrm>
             <a:off x="0" y="5401080"/>
-            <a:ext cx="3043440" cy="1456560"/>
+            <a:ext cx="3043080" cy="1456200"/>
           </a:xfrm>
           <a:prstGeom prst="rtTriangle">
             <a:avLst/>
@@ -12874,7 +12874,7 @@
         <p:spPr>
           <a:xfrm>
             <a:off x="837720" y="1968120"/>
-            <a:ext cx="10515240" cy="4478760"/>
+            <a:ext cx="10514880" cy="4478760"/>
           </a:xfrm>
           <a:prstGeom prst="rect">
             <a:avLst/>
@@ -13199,7 +13199,7 @@
         <p:spPr>
           <a:xfrm>
             <a:off x="0" y="0"/>
-            <a:ext cx="7765920" cy="365760"/>
+            <a:ext cx="7765560" cy="365760"/>
           </a:xfrm>
           <a:prstGeom prst="rect">
             <a:avLst/>
@@ -13254,7 +13254,7 @@
         <p:spPr>
           <a:xfrm>
             <a:off x="0" y="6512400"/>
-            <a:ext cx="1079280" cy="344160"/>
+            <a:ext cx="1078920" cy="343800"/>
           </a:xfrm>
           <a:prstGeom prst="rect">
             <a:avLst/>
@@ -13310,7 +13310,7 @@
         <p:spPr>
           <a:xfrm>
             <a:off x="7020000" y="2520000"/>
-            <a:ext cx="4332960" cy="1959120"/>
+            <a:ext cx="4332600" cy="1958760"/>
           </a:xfrm>
           <a:prstGeom prst="rect">
             <a:avLst/>
@@ -13333,7 +13333,7 @@
         <p:spPr>
           <a:xfrm>
             <a:off x="6840000" y="4476600"/>
-            <a:ext cx="4318920" cy="2182320"/>
+            <a:ext cx="4318560" cy="2181960"/>
           </a:xfrm>
           <a:prstGeom prst="rect">
             <a:avLst/>
@@ -13390,7 +13390,7 @@
         <p:spPr>
           <a:xfrm>
             <a:off x="650160" y="459000"/>
-            <a:ext cx="10510920" cy="1320840"/>
+            <a:ext cx="10510560" cy="1320480"/>
           </a:xfrm>
           <a:prstGeom prst="rect">
             <a:avLst/>
@@ -13445,7 +13445,7 @@
         <p:spPr>
           <a:xfrm>
             <a:off x="0" y="5396760"/>
-            <a:ext cx="3043440" cy="1456560"/>
+            <a:ext cx="3043080" cy="1456200"/>
           </a:xfrm>
           <a:prstGeom prst="rtTriangle">
             <a:avLst/>
@@ -13476,7 +13476,7 @@
         <p:spPr>
           <a:xfrm>
             <a:off x="837720" y="1968120"/>
-            <a:ext cx="10515240" cy="638280"/>
+            <a:ext cx="10514880" cy="638280"/>
           </a:xfrm>
           <a:prstGeom prst="rect">
             <a:avLst/>
@@ -13535,7 +13535,7 @@
         <p:spPr>
           <a:xfrm>
             <a:off x="0" y="0"/>
-            <a:ext cx="7765920" cy="365760"/>
+            <a:ext cx="7765560" cy="365760"/>
           </a:xfrm>
           <a:prstGeom prst="rect">
             <a:avLst/>
@@ -13590,7 +13590,7 @@
         <p:spPr>
           <a:xfrm>
             <a:off x="837720" y="1968120"/>
-            <a:ext cx="10515240" cy="3381480"/>
+            <a:ext cx="10514880" cy="3381480"/>
           </a:xfrm>
           <a:prstGeom prst="rect">
             <a:avLst/>
@@ -13833,7 +13833,7 @@
         <p:spPr>
           <a:xfrm>
             <a:off x="0" y="6511680"/>
-            <a:ext cx="1079280" cy="344160"/>
+            <a:ext cx="1078920" cy="343800"/>
           </a:xfrm>
           <a:prstGeom prst="rect">
             <a:avLst/>
@@ -13889,7 +13889,7 @@
         <p:spPr>
           <a:xfrm>
             <a:off x="3726360" y="3960000"/>
-            <a:ext cx="5092560" cy="2403360"/>
+            <a:ext cx="5092200" cy="2403000"/>
           </a:xfrm>
           <a:prstGeom prst="rect">
             <a:avLst/>
@@ -13908,7 +13908,7 @@
         <p:spPr>
           <a:xfrm>
             <a:off x="4232880" y="6300000"/>
-            <a:ext cx="3866040" cy="231120"/>
+            <a:ext cx="4227120" cy="230760"/>
           </a:xfrm>
           <a:prstGeom prst="rect">
             <a:avLst/>
@@ -13998,7 +13998,7 @@
         <p:spPr>
           <a:xfrm>
             <a:off x="838440" y="0"/>
-            <a:ext cx="10510920" cy="6854040"/>
+            <a:ext cx="10510560" cy="6853680"/>
           </a:xfrm>
           <a:prstGeom prst="rect">
             <a:avLst/>
@@ -14053,7 +14053,7 @@
         <p:spPr>
           <a:xfrm>
             <a:off x="0" y="5396760"/>
-            <a:ext cx="3043440" cy="1456560"/>
+            <a:ext cx="3043080" cy="1456200"/>
           </a:xfrm>
           <a:prstGeom prst="rtTriangle">
             <a:avLst/>
@@ -14084,7 +14084,7 @@
         <p:spPr>
           <a:xfrm>
             <a:off x="837720" y="1968120"/>
-            <a:ext cx="10515240" cy="638280"/>
+            <a:ext cx="10514880" cy="638280"/>
           </a:xfrm>
           <a:prstGeom prst="rect">
             <a:avLst/>
@@ -14143,7 +14143,7 @@
         <p:spPr>
           <a:xfrm>
             <a:off x="0" y="0"/>
-            <a:ext cx="7765920" cy="365760"/>
+            <a:ext cx="7765560" cy="365760"/>
           </a:xfrm>
           <a:prstGeom prst="rect">
             <a:avLst/>
@@ -14198,7 +14198,7 @@
         <p:spPr>
           <a:xfrm>
             <a:off x="0" y="6511680"/>
-            <a:ext cx="1079280" cy="344160"/>
+            <a:ext cx="1078920" cy="343800"/>
           </a:xfrm>
           <a:prstGeom prst="rect">
             <a:avLst/>
@@ -14288,7 +14288,7 @@
         <p:spPr>
           <a:xfrm>
             <a:off x="650160" y="459000"/>
-            <a:ext cx="10510920" cy="1320840"/>
+            <a:ext cx="10510560" cy="1320480"/>
           </a:xfrm>
           <a:prstGeom prst="rect">
             <a:avLst/>
@@ -14343,7 +14343,7 @@
         <p:spPr>
           <a:xfrm>
             <a:off x="0" y="5396760"/>
-            <a:ext cx="3043440" cy="1456560"/>
+            <a:ext cx="3043080" cy="1456200"/>
           </a:xfrm>
           <a:prstGeom prst="rtTriangle">
             <a:avLst/>
@@ -14374,7 +14374,7 @@
         <p:spPr>
           <a:xfrm>
             <a:off x="837720" y="1968120"/>
-            <a:ext cx="10515240" cy="1918440"/>
+            <a:ext cx="10514880" cy="1918440"/>
           </a:xfrm>
           <a:prstGeom prst="rect">
             <a:avLst/>
@@ -14477,7 +14477,7 @@
         <p:spPr>
           <a:xfrm>
             <a:off x="0" y="0"/>
-            <a:ext cx="7765920" cy="365760"/>
+            <a:ext cx="7765560" cy="365760"/>
           </a:xfrm>
           <a:prstGeom prst="rect">
             <a:avLst/>
@@ -14536,7 +14536,7 @@
         <p:spPr>
           <a:xfrm>
             <a:off x="945000" y="3420000"/>
-            <a:ext cx="10573920" cy="1798920"/>
+            <a:ext cx="10573560" cy="1798560"/>
           </a:xfrm>
           <a:prstGeom prst="rect">
             <a:avLst/>
@@ -14555,7 +14555,7 @@
         <p:spPr>
           <a:xfrm>
             <a:off x="0" y="6511680"/>
-            <a:ext cx="1259280" cy="344160"/>
+            <a:ext cx="1258920" cy="343800"/>
           </a:xfrm>
           <a:prstGeom prst="rect">
             <a:avLst/>
@@ -14607,7 +14607,7 @@
         <p:spPr>
           <a:xfrm>
             <a:off x="10160280" y="5040000"/>
-            <a:ext cx="1539360" cy="230040"/>
+            <a:ext cx="1539000" cy="229680"/>
           </a:xfrm>
           <a:prstGeom prst="rect">
             <a:avLst/>

--- a/DDM_Presentation_Kapala_Marlon.pptx
+++ b/DDM_Presentation_Kapala_Marlon.pptx
@@ -10571,7 +10571,7 @@
                 <a:latin typeface="Arial"/>
                 <a:ea typeface="Arial"/>
               </a:rPr>
-              <a:t>The researchers consider themselves „among the pioneers in the literature“ regarding the „exploration of anisotropic structure in graph data“</a:t>
+              <a:t>The researchers consider themselves “among the pioneers in the literature“ regarding the “exploration of anisotropic structure in graph data“</a:t>
             </a:r>
             <a:endParaRPr b="0" lang="de-DE" sz="2400" spc="-1" strike="noStrike">
               <a:latin typeface="Arial"/>

--- a/DDM_Presentation_Kapala_Marlon.pptx
+++ b/DDM_Presentation_Kapala_Marlon.pptx
@@ -3659,7 +3659,7 @@
         <p:spPr>
           <a:xfrm>
             <a:off x="2970000" y="900000"/>
-            <a:ext cx="6251040" cy="1438920"/>
+            <a:ext cx="6250680" cy="1438560"/>
           </a:xfrm>
           <a:prstGeom prst="rect">
             <a:avLst/>
@@ -3771,7 +3771,7 @@
         <p:spPr>
           <a:xfrm>
             <a:off x="1526040" y="3960000"/>
-            <a:ext cx="9138960" cy="717480"/>
+            <a:ext cx="9138600" cy="717120"/>
           </a:xfrm>
           <a:prstGeom prst="rect">
             <a:avLst/>
@@ -3892,7 +3892,7 @@
         <p:spPr>
           <a:xfrm>
             <a:off x="0" y="5396760"/>
-            <a:ext cx="3043080" cy="1456200"/>
+            <a:ext cx="3042720" cy="1455840"/>
           </a:xfrm>
           <a:prstGeom prst="rtTriangle">
             <a:avLst/>
@@ -3923,7 +3923,7 @@
         <p:spPr>
           <a:xfrm>
             <a:off x="3331800" y="4678920"/>
-            <a:ext cx="5527440" cy="944280"/>
+            <a:ext cx="5527080" cy="944280"/>
           </a:xfrm>
           <a:prstGeom prst="rect">
             <a:avLst/>
@@ -4002,7 +4002,7 @@
         <p:spPr>
           <a:xfrm>
             <a:off x="786240" y="1980000"/>
-            <a:ext cx="10618560" cy="1685160"/>
+            <a:ext cx="10618200" cy="1684800"/>
           </a:xfrm>
           <a:prstGeom prst="rect">
             <a:avLst/>
@@ -4119,7 +4119,7 @@
         <p:spPr>
           <a:xfrm>
             <a:off x="650160" y="459000"/>
-            <a:ext cx="10510560" cy="1320480"/>
+            <a:ext cx="10510200" cy="1320120"/>
           </a:xfrm>
           <a:prstGeom prst="rect">
             <a:avLst/>
@@ -4174,7 +4174,7 @@
         <p:spPr>
           <a:xfrm>
             <a:off x="0" y="5396760"/>
-            <a:ext cx="3043080" cy="1456200"/>
+            <a:ext cx="3042720" cy="1455840"/>
           </a:xfrm>
           <a:prstGeom prst="rtTriangle">
             <a:avLst/>
@@ -4205,7 +4205,7 @@
         <p:spPr>
           <a:xfrm>
             <a:off x="837720" y="1968120"/>
-            <a:ext cx="10514880" cy="821160"/>
+            <a:ext cx="10514520" cy="821160"/>
           </a:xfrm>
           <a:prstGeom prst="rect">
             <a:avLst/>
@@ -4280,7 +4280,7 @@
         <p:spPr>
           <a:xfrm>
             <a:off x="0" y="0"/>
-            <a:ext cx="7765560" cy="365760"/>
+            <a:ext cx="7765200" cy="365760"/>
           </a:xfrm>
           <a:prstGeom prst="rect">
             <a:avLst/>
@@ -4335,7 +4335,7 @@
         <p:spPr>
           <a:xfrm>
             <a:off x="0" y="6511680"/>
-            <a:ext cx="1078920" cy="343800"/>
+            <a:ext cx="1078560" cy="343440"/>
           </a:xfrm>
           <a:prstGeom prst="rect">
             <a:avLst/>
@@ -4391,7 +4391,7 @@
         <p:spPr>
           <a:xfrm>
             <a:off x="900000" y="2790000"/>
-            <a:ext cx="10497240" cy="2608560"/>
+            <a:ext cx="10496880" cy="2608200"/>
           </a:xfrm>
           <a:prstGeom prst="rect">
             <a:avLst/>
@@ -4410,7 +4410,7 @@
         <p:spPr>
           <a:xfrm>
             <a:off x="10260000" y="5400000"/>
-            <a:ext cx="1078920" cy="229680"/>
+            <a:ext cx="1078560" cy="229320"/>
           </a:xfrm>
           <a:prstGeom prst="rect">
             <a:avLst/>
@@ -4500,7 +4500,7 @@
         <p:spPr>
           <a:xfrm>
             <a:off x="838440" y="0"/>
-            <a:ext cx="10510560" cy="6853680"/>
+            <a:ext cx="10510200" cy="6853320"/>
           </a:xfrm>
           <a:prstGeom prst="rect">
             <a:avLst/>
@@ -4555,7 +4555,7 @@
         <p:spPr>
           <a:xfrm>
             <a:off x="0" y="5396760"/>
-            <a:ext cx="3043080" cy="1456200"/>
+            <a:ext cx="3042720" cy="1455840"/>
           </a:xfrm>
           <a:prstGeom prst="rtTriangle">
             <a:avLst/>
@@ -4586,7 +4586,7 @@
         <p:spPr>
           <a:xfrm>
             <a:off x="837720" y="1968120"/>
-            <a:ext cx="10514880" cy="638280"/>
+            <a:ext cx="10514520" cy="638280"/>
           </a:xfrm>
           <a:prstGeom prst="rect">
             <a:avLst/>
@@ -4645,7 +4645,7 @@
         <p:spPr>
           <a:xfrm>
             <a:off x="0" y="0"/>
-            <a:ext cx="7765560" cy="365760"/>
+            <a:ext cx="7765200" cy="365760"/>
           </a:xfrm>
           <a:prstGeom prst="rect">
             <a:avLst/>
@@ -4700,7 +4700,7 @@
         <p:spPr>
           <a:xfrm>
             <a:off x="0" y="6511680"/>
-            <a:ext cx="1078920" cy="343800"/>
+            <a:ext cx="1078560" cy="343440"/>
           </a:xfrm>
           <a:prstGeom prst="rect">
             <a:avLst/>
@@ -4794,7 +4794,7 @@
         <p:spPr>
           <a:xfrm>
             <a:off x="1620000" y="2676240"/>
-            <a:ext cx="8997840" cy="3381120"/>
+            <a:ext cx="8997480" cy="3380760"/>
           </a:xfrm>
           <a:prstGeom prst="rect">
             <a:avLst/>
@@ -4813,7 +4813,7 @@
         <p:spPr>
           <a:xfrm>
             <a:off x="650160" y="459000"/>
-            <a:ext cx="10510560" cy="1320480"/>
+            <a:ext cx="10510200" cy="1320120"/>
           </a:xfrm>
           <a:prstGeom prst="rect">
             <a:avLst/>
@@ -4868,7 +4868,7 @@
         <p:spPr>
           <a:xfrm>
             <a:off x="0" y="5396760"/>
-            <a:ext cx="3043080" cy="1456200"/>
+            <a:ext cx="3042720" cy="1455840"/>
           </a:xfrm>
           <a:prstGeom prst="rtTriangle">
             <a:avLst/>
@@ -4899,7 +4899,7 @@
         <p:spPr>
           <a:xfrm>
             <a:off x="837720" y="1968120"/>
-            <a:ext cx="10514880" cy="1186920"/>
+            <a:ext cx="10514520" cy="1186920"/>
           </a:xfrm>
           <a:prstGeom prst="rect">
             <a:avLst/>
@@ -4988,7 +4988,7 @@
         <p:spPr>
           <a:xfrm>
             <a:off x="0" y="0"/>
-            <a:ext cx="7765560" cy="365760"/>
+            <a:ext cx="7765200" cy="365760"/>
           </a:xfrm>
           <a:prstGeom prst="rect">
             <a:avLst/>
@@ -5043,7 +5043,7 @@
         <p:spPr>
           <a:xfrm>
             <a:off x="0" y="6511680"/>
-            <a:ext cx="1258920" cy="343800"/>
+            <a:ext cx="1258560" cy="343440"/>
           </a:xfrm>
           <a:prstGeom prst="rect">
             <a:avLst/>
@@ -5095,7 +5095,7 @@
         <p:spPr>
           <a:xfrm>
             <a:off x="8640000" y="5940000"/>
-            <a:ext cx="1798920" cy="229680"/>
+            <a:ext cx="1798560" cy="229320"/>
           </a:xfrm>
           <a:prstGeom prst="rect">
             <a:avLst/>
@@ -5185,7 +5185,7 @@
         <p:spPr>
           <a:xfrm>
             <a:off x="650160" y="459000"/>
-            <a:ext cx="10510560" cy="1320480"/>
+            <a:ext cx="10510200" cy="1320120"/>
           </a:xfrm>
           <a:prstGeom prst="rect">
             <a:avLst/>
@@ -5240,7 +5240,7 @@
         <p:spPr>
           <a:xfrm>
             <a:off x="0" y="5396760"/>
-            <a:ext cx="3043080" cy="1456200"/>
+            <a:ext cx="3042720" cy="1455840"/>
           </a:xfrm>
           <a:prstGeom prst="rtTriangle">
             <a:avLst/>
@@ -5271,7 +5271,7 @@
         <p:spPr>
           <a:xfrm>
             <a:off x="837720" y="1968120"/>
-            <a:ext cx="10514880" cy="4478760"/>
+            <a:ext cx="10514520" cy="4478760"/>
           </a:xfrm>
           <a:prstGeom prst="rect">
             <a:avLst/>
@@ -5540,7 +5540,7 @@
         <p:spPr>
           <a:xfrm>
             <a:off x="0" y="0"/>
-            <a:ext cx="7765560" cy="365760"/>
+            <a:ext cx="7765200" cy="365760"/>
           </a:xfrm>
           <a:prstGeom prst="rect">
             <a:avLst/>
@@ -5599,7 +5599,7 @@
         <p:spPr>
           <a:xfrm>
             <a:off x="1198800" y="2700000"/>
-            <a:ext cx="4379760" cy="1199520"/>
+            <a:ext cx="4379400" cy="1199160"/>
           </a:xfrm>
           <a:prstGeom prst="rect">
             <a:avLst/>
@@ -5622,7 +5622,7 @@
         <p:spPr>
           <a:xfrm>
             <a:off x="5788080" y="2451600"/>
-            <a:ext cx="3210480" cy="2406960"/>
+            <a:ext cx="3210120" cy="2406600"/>
           </a:xfrm>
           <a:prstGeom prst="rect">
             <a:avLst/>
@@ -5645,7 +5645,7 @@
         <p:spPr>
           <a:xfrm>
             <a:off x="8640000" y="2451600"/>
-            <a:ext cx="3211200" cy="2406960"/>
+            <a:ext cx="3210840" cy="2406600"/>
           </a:xfrm>
           <a:prstGeom prst="rect">
             <a:avLst/>
@@ -5664,7 +5664,7 @@
         <p:spPr>
           <a:xfrm>
             <a:off x="0" y="6511680"/>
-            <a:ext cx="1078920" cy="343800"/>
+            <a:ext cx="1078560" cy="343440"/>
           </a:xfrm>
           <a:prstGeom prst="rect">
             <a:avLst/>
@@ -5720,7 +5720,7 @@
         <p:spPr>
           <a:xfrm>
             <a:off x="1620000" y="5074920"/>
-            <a:ext cx="2878560" cy="320400"/>
+            <a:ext cx="2878200" cy="320040"/>
           </a:xfrm>
           <a:prstGeom prst="rect">
             <a:avLst/>
@@ -5739,7 +5739,7 @@
         <p:spPr>
           <a:xfrm>
             <a:off x="6869520" y="2451600"/>
-            <a:ext cx="1229040" cy="288720"/>
+            <a:ext cx="1228680" cy="288360"/>
           </a:xfrm>
           <a:prstGeom prst="rect">
             <a:avLst/>
@@ -5791,7 +5791,7 @@
         <p:spPr>
           <a:xfrm>
             <a:off x="9389520" y="2451600"/>
-            <a:ext cx="1589040" cy="488520"/>
+            <a:ext cx="1588680" cy="488160"/>
           </a:xfrm>
           <a:prstGeom prst="rect">
             <a:avLst/>
@@ -5881,7 +5881,7 @@
         <p:spPr>
           <a:xfrm>
             <a:off x="650160" y="459000"/>
-            <a:ext cx="10510560" cy="1320480"/>
+            <a:ext cx="10510200" cy="1320120"/>
           </a:xfrm>
           <a:prstGeom prst="rect">
             <a:avLst/>
@@ -5936,7 +5936,7 @@
         <p:spPr>
           <a:xfrm>
             <a:off x="0" y="5396760"/>
-            <a:ext cx="3043080" cy="1456200"/>
+            <a:ext cx="3042720" cy="1455840"/>
           </a:xfrm>
           <a:prstGeom prst="rtTriangle">
             <a:avLst/>
@@ -5967,7 +5967,7 @@
         <p:spPr>
           <a:xfrm>
             <a:off x="823680" y="1495800"/>
-            <a:ext cx="10514880" cy="2192760"/>
+            <a:ext cx="10514520" cy="2192760"/>
           </a:xfrm>
           <a:prstGeom prst="rect">
             <a:avLst/>
@@ -6128,7 +6128,7 @@
         <p:spPr>
           <a:xfrm>
             <a:off x="0" y="0"/>
-            <a:ext cx="7765560" cy="365760"/>
+            <a:ext cx="7765200" cy="365760"/>
           </a:xfrm>
           <a:prstGeom prst="rect">
             <a:avLst/>
@@ -6187,7 +6187,7 @@
         <p:spPr>
           <a:xfrm>
             <a:off x="3780000" y="3476160"/>
-            <a:ext cx="3777840" cy="3181680"/>
+            <a:ext cx="3777480" cy="3181320"/>
           </a:xfrm>
           <a:prstGeom prst="rect">
             <a:avLst/>
@@ -6206,7 +6206,7 @@
         <p:spPr>
           <a:xfrm>
             <a:off x="0" y="6511680"/>
-            <a:ext cx="1258920" cy="343800"/>
+            <a:ext cx="1258560" cy="343440"/>
           </a:xfrm>
           <a:prstGeom prst="rect">
             <a:avLst/>
@@ -6258,7 +6258,7 @@
         <p:spPr>
           <a:xfrm>
             <a:off x="6076080" y="6478920"/>
-            <a:ext cx="1302840" cy="229680"/>
+            <a:ext cx="1302480" cy="229320"/>
           </a:xfrm>
           <a:prstGeom prst="rect">
             <a:avLst/>
@@ -6348,7 +6348,7 @@
         <p:spPr>
           <a:xfrm>
             <a:off x="650160" y="0"/>
-            <a:ext cx="10510560" cy="6853680"/>
+            <a:ext cx="10510200" cy="6853320"/>
           </a:xfrm>
           <a:prstGeom prst="rect">
             <a:avLst/>
@@ -6403,7 +6403,7 @@
         <p:spPr>
           <a:xfrm>
             <a:off x="0" y="5396760"/>
-            <a:ext cx="3043080" cy="1456200"/>
+            <a:ext cx="3042720" cy="1455840"/>
           </a:xfrm>
           <a:prstGeom prst="rtTriangle">
             <a:avLst/>
@@ -6434,7 +6434,7 @@
         <p:spPr>
           <a:xfrm>
             <a:off x="837720" y="1968120"/>
-            <a:ext cx="10514880" cy="638280"/>
+            <a:ext cx="10514520" cy="638280"/>
           </a:xfrm>
           <a:prstGeom prst="rect">
             <a:avLst/>
@@ -6493,7 +6493,7 @@
         <p:spPr>
           <a:xfrm>
             <a:off x="0" y="0"/>
-            <a:ext cx="7765560" cy="365760"/>
+            <a:ext cx="7765200" cy="365760"/>
           </a:xfrm>
           <a:prstGeom prst="rect">
             <a:avLst/>
@@ -6548,7 +6548,7 @@
         <p:spPr>
           <a:xfrm>
             <a:off x="0" y="6511680"/>
-            <a:ext cx="1078920" cy="343800"/>
+            <a:ext cx="1078560" cy="343440"/>
           </a:xfrm>
           <a:prstGeom prst="rect">
             <a:avLst/>
@@ -6638,7 +6638,7 @@
         <p:spPr>
           <a:xfrm>
             <a:off x="650160" y="459000"/>
-            <a:ext cx="10510560" cy="1320480"/>
+            <a:ext cx="10510200" cy="1320120"/>
           </a:xfrm>
           <a:prstGeom prst="rect">
             <a:avLst/>
@@ -6693,7 +6693,7 @@
         <p:spPr>
           <a:xfrm>
             <a:off x="0" y="5396760"/>
-            <a:ext cx="3043080" cy="1456200"/>
+            <a:ext cx="3042720" cy="1455840"/>
           </a:xfrm>
           <a:prstGeom prst="rtTriangle">
             <a:avLst/>
@@ -6724,7 +6724,7 @@
         <p:spPr>
           <a:xfrm>
             <a:off x="837720" y="1968120"/>
-            <a:ext cx="10514880" cy="638280"/>
+            <a:ext cx="10514520" cy="638280"/>
           </a:xfrm>
           <a:prstGeom prst="rect">
             <a:avLst/>
@@ -6783,7 +6783,7 @@
         <p:spPr>
           <a:xfrm>
             <a:off x="0" y="0"/>
-            <a:ext cx="7765560" cy="365760"/>
+            <a:ext cx="7765200" cy="365760"/>
           </a:xfrm>
           <a:prstGeom prst="rect">
             <a:avLst/>
@@ -6842,7 +6842,7 @@
         <p:spPr>
           <a:xfrm>
             <a:off x="1625400" y="1514160"/>
-            <a:ext cx="9535320" cy="4421520"/>
+            <a:ext cx="9534960" cy="4421160"/>
           </a:xfrm>
           <a:prstGeom prst="rect">
             <a:avLst/>
@@ -6861,7 +6861,7 @@
         <p:spPr>
           <a:xfrm>
             <a:off x="0" y="6511680"/>
-            <a:ext cx="1258920" cy="343800"/>
+            <a:ext cx="1258560" cy="343440"/>
           </a:xfrm>
           <a:prstGeom prst="rect">
             <a:avLst/>
@@ -6913,7 +6913,7 @@
         <p:spPr>
           <a:xfrm>
             <a:off x="9900000" y="5938200"/>
-            <a:ext cx="1619280" cy="229680"/>
+            <a:ext cx="1618920" cy="229320"/>
           </a:xfrm>
           <a:prstGeom prst="rect">
             <a:avLst/>
@@ -7003,7 +7003,7 @@
         <p:spPr>
           <a:xfrm>
             <a:off x="650160" y="459000"/>
-            <a:ext cx="10510560" cy="1320480"/>
+            <a:ext cx="10510200" cy="1320120"/>
           </a:xfrm>
           <a:prstGeom prst="rect">
             <a:avLst/>
@@ -7058,7 +7058,7 @@
         <p:spPr>
           <a:xfrm>
             <a:off x="0" y="5396760"/>
-            <a:ext cx="3043080" cy="1456200"/>
+            <a:ext cx="3042720" cy="1455840"/>
           </a:xfrm>
           <a:prstGeom prst="rtTriangle">
             <a:avLst/>
@@ -7089,7 +7089,7 @@
         <p:spPr>
           <a:xfrm>
             <a:off x="837720" y="1968120"/>
-            <a:ext cx="10514880" cy="1918440"/>
+            <a:ext cx="10514520" cy="1918440"/>
           </a:xfrm>
           <a:prstGeom prst="rect">
             <a:avLst/>
@@ -7220,7 +7220,7 @@
         <p:spPr>
           <a:xfrm>
             <a:off x="0" y="0"/>
-            <a:ext cx="7765560" cy="365760"/>
+            <a:ext cx="7765200" cy="365760"/>
           </a:xfrm>
           <a:prstGeom prst="rect">
             <a:avLst/>
@@ -7275,7 +7275,7 @@
         <p:spPr>
           <a:xfrm>
             <a:off x="0" y="6511680"/>
-            <a:ext cx="1258920" cy="343800"/>
+            <a:ext cx="1258560" cy="343440"/>
           </a:xfrm>
           <a:prstGeom prst="rect">
             <a:avLst/>
@@ -7327,7 +7327,7 @@
         <p:spPr>
           <a:xfrm>
             <a:off x="8134920" y="6480000"/>
-            <a:ext cx="1584000" cy="229680"/>
+            <a:ext cx="1583640" cy="229320"/>
           </a:xfrm>
           <a:prstGeom prst="rect">
             <a:avLst/>
@@ -7383,7 +7383,7 @@
         <p:spPr>
           <a:xfrm>
             <a:off x="3060000" y="2483280"/>
-            <a:ext cx="6196320" cy="3995280"/>
+            <a:ext cx="6195960" cy="3994920"/>
           </a:xfrm>
           <a:prstGeom prst="rect">
             <a:avLst/>
@@ -7440,7 +7440,7 @@
         <p:spPr>
           <a:xfrm>
             <a:off x="650160" y="459000"/>
-            <a:ext cx="10510560" cy="1320480"/>
+            <a:ext cx="10510200" cy="1320120"/>
           </a:xfrm>
           <a:prstGeom prst="rect">
             <a:avLst/>
@@ -7495,7 +7495,7 @@
         <p:spPr>
           <a:xfrm>
             <a:off x="0" y="5396760"/>
-            <a:ext cx="3043080" cy="1456200"/>
+            <a:ext cx="3042720" cy="1455840"/>
           </a:xfrm>
           <a:prstGeom prst="rtTriangle">
             <a:avLst/>
@@ -7526,7 +7526,7 @@
         <p:spPr>
           <a:xfrm>
             <a:off x="837720" y="1968120"/>
-            <a:ext cx="10514880" cy="1186920"/>
+            <a:ext cx="10514520" cy="1186920"/>
           </a:xfrm>
           <a:prstGeom prst="rect">
             <a:avLst/>
@@ -7629,7 +7629,7 @@
         <p:spPr>
           <a:xfrm>
             <a:off x="0" y="0"/>
-            <a:ext cx="7765560" cy="365760"/>
+            <a:ext cx="7765200" cy="365760"/>
           </a:xfrm>
           <a:prstGeom prst="rect">
             <a:avLst/>
@@ -7684,7 +7684,7 @@
         <p:spPr>
           <a:xfrm>
             <a:off x="0" y="6511680"/>
-            <a:ext cx="1258920" cy="343800"/>
+            <a:ext cx="1258560" cy="343440"/>
           </a:xfrm>
           <a:prstGeom prst="rect">
             <a:avLst/>
@@ -7736,7 +7736,7 @@
         <p:spPr>
           <a:xfrm>
             <a:off x="9775440" y="6248880"/>
-            <a:ext cx="1563480" cy="229680"/>
+            <a:ext cx="1563120" cy="229320"/>
           </a:xfrm>
           <a:prstGeom prst="rect">
             <a:avLst/>
@@ -7792,7 +7792,7 @@
         <p:spPr>
           <a:xfrm>
             <a:off x="1980000" y="2520000"/>
-            <a:ext cx="8916840" cy="3778560"/>
+            <a:ext cx="8916480" cy="3778200"/>
           </a:xfrm>
           <a:prstGeom prst="rect">
             <a:avLst/>
@@ -7849,7 +7849,7 @@
         <p:spPr>
           <a:xfrm>
             <a:off x="838440" y="0"/>
-            <a:ext cx="10510560" cy="6853680"/>
+            <a:ext cx="10510200" cy="6853320"/>
           </a:xfrm>
           <a:prstGeom prst="rect">
             <a:avLst/>
@@ -7904,7 +7904,7 @@
         <p:spPr>
           <a:xfrm>
             <a:off x="0" y="5396760"/>
-            <a:ext cx="3043080" cy="1456200"/>
+            <a:ext cx="3042720" cy="1455840"/>
           </a:xfrm>
           <a:prstGeom prst="rtTriangle">
             <a:avLst/>
@@ -7935,7 +7935,7 @@
         <p:spPr>
           <a:xfrm>
             <a:off x="837720" y="1968120"/>
-            <a:ext cx="10514880" cy="638280"/>
+            <a:ext cx="10514520" cy="638280"/>
           </a:xfrm>
           <a:prstGeom prst="rect">
             <a:avLst/>
@@ -7994,7 +7994,7 @@
         <p:spPr>
           <a:xfrm>
             <a:off x="0" y="0"/>
-            <a:ext cx="7765560" cy="365760"/>
+            <a:ext cx="7765200" cy="365760"/>
           </a:xfrm>
           <a:prstGeom prst="rect">
             <a:avLst/>
@@ -8049,7 +8049,7 @@
         <p:spPr>
           <a:xfrm>
             <a:off x="0" y="6511680"/>
-            <a:ext cx="1258920" cy="343800"/>
+            <a:ext cx="1258560" cy="343440"/>
           </a:xfrm>
           <a:prstGeom prst="rect">
             <a:avLst/>
@@ -8139,7 +8139,7 @@
         <p:spPr>
           <a:xfrm>
             <a:off x="650160" y="459000"/>
-            <a:ext cx="10510560" cy="1320480"/>
+            <a:ext cx="10510200" cy="1320120"/>
           </a:xfrm>
           <a:prstGeom prst="rect">
             <a:avLst/>
@@ -8194,7 +8194,7 @@
         <p:spPr>
           <a:xfrm>
             <a:off x="0" y="5396760"/>
-            <a:ext cx="3043080" cy="1456200"/>
+            <a:ext cx="3042720" cy="1455840"/>
           </a:xfrm>
           <a:prstGeom prst="rtTriangle">
             <a:avLst/>
@@ -8225,7 +8225,7 @@
         <p:spPr>
           <a:xfrm>
             <a:off x="837720" y="1968120"/>
-            <a:ext cx="10514880" cy="2284200"/>
+            <a:ext cx="10514520" cy="2284200"/>
           </a:xfrm>
           <a:prstGeom prst="rect">
             <a:avLst/>
@@ -8400,7 +8400,7 @@
         <p:spPr>
           <a:xfrm>
             <a:off x="0" y="0"/>
-            <a:ext cx="7765560" cy="365760"/>
+            <a:ext cx="7765200" cy="365760"/>
           </a:xfrm>
           <a:prstGeom prst="rect">
             <a:avLst/>
@@ -8455,7 +8455,7 @@
         <p:spPr>
           <a:xfrm>
             <a:off x="0" y="6511680"/>
-            <a:ext cx="1258920" cy="343800"/>
+            <a:ext cx="1258560" cy="343440"/>
           </a:xfrm>
           <a:prstGeom prst="rect">
             <a:avLst/>
@@ -8545,7 +8545,7 @@
         <p:spPr>
           <a:xfrm>
             <a:off x="650160" y="459000"/>
-            <a:ext cx="10510560" cy="1320480"/>
+            <a:ext cx="10510200" cy="1320120"/>
           </a:xfrm>
           <a:prstGeom prst="rect">
             <a:avLst/>
@@ -8600,7 +8600,7 @@
         <p:spPr>
           <a:xfrm>
             <a:off x="0" y="5396760"/>
-            <a:ext cx="3043080" cy="1456200"/>
+            <a:ext cx="3042720" cy="1455840"/>
           </a:xfrm>
           <a:prstGeom prst="rtTriangle">
             <a:avLst/>
@@ -8631,7 +8631,7 @@
         <p:spPr>
           <a:xfrm>
             <a:off x="837720" y="1968120"/>
-            <a:ext cx="10514880" cy="2284200"/>
+            <a:ext cx="10514520" cy="2284200"/>
           </a:xfrm>
           <a:prstGeom prst="rect">
             <a:avLst/>
@@ -8822,7 +8822,7 @@
         <p:spPr>
           <a:xfrm>
             <a:off x="0" y="0"/>
-            <a:ext cx="7765560" cy="365760"/>
+            <a:ext cx="7765200" cy="365760"/>
           </a:xfrm>
           <a:prstGeom prst="rect">
             <a:avLst/>
@@ -8877,7 +8877,7 @@
         <p:spPr>
           <a:xfrm>
             <a:off x="0" y="6511680"/>
-            <a:ext cx="1078920" cy="343800"/>
+            <a:ext cx="1078560" cy="343440"/>
           </a:xfrm>
           <a:prstGeom prst="rect">
             <a:avLst/>
@@ -8967,7 +8967,7 @@
         <p:spPr>
           <a:xfrm>
             <a:off x="650160" y="459000"/>
-            <a:ext cx="10510560" cy="1320480"/>
+            <a:ext cx="10510200" cy="1320120"/>
           </a:xfrm>
           <a:prstGeom prst="rect">
             <a:avLst/>
@@ -9022,7 +9022,7 @@
         <p:spPr>
           <a:xfrm>
             <a:off x="0" y="5396760"/>
-            <a:ext cx="3043080" cy="1456200"/>
+            <a:ext cx="3042720" cy="1455840"/>
           </a:xfrm>
           <a:prstGeom prst="rtTriangle">
             <a:avLst/>
@@ -9053,7 +9053,7 @@
         <p:spPr>
           <a:xfrm>
             <a:off x="837720" y="1968120"/>
-            <a:ext cx="10514880" cy="638280"/>
+            <a:ext cx="10514520" cy="638280"/>
           </a:xfrm>
           <a:prstGeom prst="rect">
             <a:avLst/>
@@ -9112,7 +9112,7 @@
         <p:spPr>
           <a:xfrm>
             <a:off x="0" y="0"/>
-            <a:ext cx="7765560" cy="365760"/>
+            <a:ext cx="7765200" cy="365760"/>
           </a:xfrm>
           <a:prstGeom prst="rect">
             <a:avLst/>
@@ -9167,7 +9167,7 @@
         <p:spPr>
           <a:xfrm>
             <a:off x="0" y="6511680"/>
-            <a:ext cx="1258920" cy="343800"/>
+            <a:ext cx="1258560" cy="343440"/>
           </a:xfrm>
           <a:prstGeom prst="rect">
             <a:avLst/>
@@ -9223,7 +9223,7 @@
         <p:spPr>
           <a:xfrm>
             <a:off x="650160" y="1620000"/>
-            <a:ext cx="9266400" cy="3058560"/>
+            <a:ext cx="9266040" cy="3058200"/>
           </a:xfrm>
           <a:prstGeom prst="rect">
             <a:avLst/>
@@ -9242,7 +9242,7 @@
         <p:spPr>
           <a:xfrm>
             <a:off x="8777160" y="4628880"/>
-            <a:ext cx="1481760" cy="229680"/>
+            <a:ext cx="1481400" cy="229320"/>
           </a:xfrm>
           <a:prstGeom prst="rect">
             <a:avLst/>
@@ -9298,7 +9298,7 @@
         <p:spPr>
           <a:xfrm>
             <a:off x="9540000" y="1754640"/>
-            <a:ext cx="847800" cy="943920"/>
+            <a:ext cx="847440" cy="943560"/>
           </a:xfrm>
           <a:prstGeom prst="rect">
             <a:avLst/>
@@ -9321,7 +9321,7 @@
         <p:spPr>
           <a:xfrm>
             <a:off x="9918000" y="2607120"/>
-            <a:ext cx="245880" cy="2071440"/>
+            <a:ext cx="245520" cy="2071080"/>
           </a:xfrm>
           <a:prstGeom prst="rect">
             <a:avLst/>
@@ -9340,7 +9340,7 @@
         <p:spPr>
           <a:xfrm>
             <a:off x="10164600" y="3420000"/>
-            <a:ext cx="1533960" cy="344880"/>
+            <a:ext cx="1715400" cy="344520"/>
           </a:xfrm>
           <a:prstGeom prst="rect">
             <a:avLst/>
@@ -9392,7 +9392,7 @@
         <p:spPr>
           <a:xfrm>
             <a:off x="10164600" y="2080800"/>
-            <a:ext cx="1281240" cy="524880"/>
+            <a:ext cx="1535400" cy="524520"/>
           </a:xfrm>
           <a:prstGeom prst="rect">
             <a:avLst/>
@@ -9482,7 +9482,7 @@
         <p:spPr>
           <a:xfrm>
             <a:off x="838440" y="0"/>
-            <a:ext cx="10510560" cy="6853680"/>
+            <a:ext cx="10510200" cy="6853320"/>
           </a:xfrm>
           <a:prstGeom prst="rect">
             <a:avLst/>
@@ -9537,7 +9537,7 @@
         <p:spPr>
           <a:xfrm>
             <a:off x="0" y="5396760"/>
-            <a:ext cx="3043080" cy="1456200"/>
+            <a:ext cx="3042720" cy="1455840"/>
           </a:xfrm>
           <a:prstGeom prst="rtTriangle">
             <a:avLst/>
@@ -9568,7 +9568,7 @@
         <p:spPr>
           <a:xfrm>
             <a:off x="837720" y="1968120"/>
-            <a:ext cx="10514880" cy="638280"/>
+            <a:ext cx="10514520" cy="638280"/>
           </a:xfrm>
           <a:prstGeom prst="rect">
             <a:avLst/>
@@ -9627,7 +9627,7 @@
         <p:spPr>
           <a:xfrm>
             <a:off x="6963480" y="6581160"/>
-            <a:ext cx="5223240" cy="638280"/>
+            <a:ext cx="5222880" cy="638280"/>
           </a:xfrm>
           <a:prstGeom prst="rect">
             <a:avLst/>
@@ -9686,7 +9686,7 @@
         <p:spPr>
           <a:xfrm>
             <a:off x="0" y="0"/>
-            <a:ext cx="7765560" cy="365760"/>
+            <a:ext cx="7765200" cy="365760"/>
           </a:xfrm>
           <a:prstGeom prst="rect">
             <a:avLst/>
@@ -9741,7 +9741,7 @@
         <p:spPr>
           <a:xfrm>
             <a:off x="0" y="6511680"/>
-            <a:ext cx="1078920" cy="343800"/>
+            <a:ext cx="1078560" cy="343440"/>
           </a:xfrm>
           <a:prstGeom prst="rect">
             <a:avLst/>
@@ -9831,7 +9831,7 @@
         <p:spPr>
           <a:xfrm>
             <a:off x="650160" y="459000"/>
-            <a:ext cx="10510560" cy="1320480"/>
+            <a:ext cx="10510200" cy="1320120"/>
           </a:xfrm>
           <a:prstGeom prst="rect">
             <a:avLst/>
@@ -9886,7 +9886,7 @@
         <p:spPr>
           <a:xfrm>
             <a:off x="0" y="5396760"/>
-            <a:ext cx="3043080" cy="1456200"/>
+            <a:ext cx="3042720" cy="1455840"/>
           </a:xfrm>
           <a:prstGeom prst="rtTriangle">
             <a:avLst/>
@@ -9917,7 +9917,7 @@
         <p:spPr>
           <a:xfrm>
             <a:off x="837720" y="1968120"/>
-            <a:ext cx="10514880" cy="3747240"/>
+            <a:ext cx="10514520" cy="3747240"/>
           </a:xfrm>
           <a:prstGeom prst="rect">
             <a:avLst/>
@@ -10166,7 +10166,7 @@
         <p:spPr>
           <a:xfrm>
             <a:off x="0" y="0"/>
-            <a:ext cx="7765560" cy="365760"/>
+            <a:ext cx="7765200" cy="365760"/>
           </a:xfrm>
           <a:prstGeom prst="rect">
             <a:avLst/>
@@ -10221,7 +10221,7 @@
         <p:spPr>
           <a:xfrm>
             <a:off x="0" y="6498000"/>
-            <a:ext cx="1054080" cy="357480"/>
+            <a:ext cx="1053720" cy="357120"/>
           </a:xfrm>
           <a:prstGeom prst="rect">
             <a:avLst/>
@@ -10311,7 +10311,7 @@
         <p:spPr>
           <a:xfrm>
             <a:off x="650160" y="459000"/>
-            <a:ext cx="10510560" cy="1320480"/>
+            <a:ext cx="10510200" cy="1320120"/>
           </a:xfrm>
           <a:prstGeom prst="rect">
             <a:avLst/>
@@ -10366,7 +10366,7 @@
         <p:spPr>
           <a:xfrm>
             <a:off x="0" y="5396760"/>
-            <a:ext cx="3043080" cy="1456200"/>
+            <a:ext cx="3042720" cy="1455840"/>
           </a:xfrm>
           <a:prstGeom prst="rtTriangle">
             <a:avLst/>
@@ -10397,7 +10397,7 @@
         <p:spPr>
           <a:xfrm>
             <a:off x="837720" y="1968120"/>
-            <a:ext cx="10514880" cy="3015720"/>
+            <a:ext cx="10514520" cy="3015720"/>
           </a:xfrm>
           <a:prstGeom prst="rect">
             <a:avLst/>
@@ -10588,7 +10588,7 @@
         <p:spPr>
           <a:xfrm>
             <a:off x="6963480" y="6581160"/>
-            <a:ext cx="5223240" cy="267840"/>
+            <a:ext cx="5222880" cy="267480"/>
           </a:xfrm>
           <a:prstGeom prst="rect">
             <a:avLst/>
@@ -10614,7 +10614,7 @@
         <p:spPr>
           <a:xfrm>
             <a:off x="0" y="0"/>
-            <a:ext cx="7765560" cy="365760"/>
+            <a:ext cx="7765200" cy="365760"/>
           </a:xfrm>
           <a:prstGeom prst="rect">
             <a:avLst/>
@@ -10669,7 +10669,7 @@
         <p:spPr>
           <a:xfrm>
             <a:off x="360" y="6498000"/>
-            <a:ext cx="1054080" cy="357480"/>
+            <a:ext cx="1053720" cy="357120"/>
           </a:xfrm>
           <a:prstGeom prst="rect">
             <a:avLst/>
@@ -10759,7 +10759,7 @@
         <p:spPr>
           <a:xfrm>
             <a:off x="650160" y="459000"/>
-            <a:ext cx="10510560" cy="1320480"/>
+            <a:ext cx="10510200" cy="1320120"/>
           </a:xfrm>
           <a:prstGeom prst="rect">
             <a:avLst/>
@@ -10814,7 +10814,7 @@
         <p:spPr>
           <a:xfrm>
             <a:off x="0" y="5396760"/>
-            <a:ext cx="3043080" cy="1456200"/>
+            <a:ext cx="3042720" cy="1455840"/>
           </a:xfrm>
           <a:prstGeom prst="rtTriangle">
             <a:avLst/>
@@ -10845,7 +10845,7 @@
         <p:spPr>
           <a:xfrm>
             <a:off x="837720" y="1647000"/>
-            <a:ext cx="10514880" cy="3138840"/>
+            <a:ext cx="10514520" cy="3138840"/>
           </a:xfrm>
           <a:prstGeom prst="rect">
             <a:avLst/>
@@ -11266,7 +11266,7 @@
         <p:spPr>
           <a:xfrm>
             <a:off x="6963480" y="6581160"/>
-            <a:ext cx="5223240" cy="267840"/>
+            <a:ext cx="5222880" cy="267480"/>
           </a:xfrm>
           <a:prstGeom prst="rect">
             <a:avLst/>
@@ -11292,7 +11292,7 @@
         <p:spPr>
           <a:xfrm>
             <a:off x="0" y="0"/>
-            <a:ext cx="7765560" cy="365760"/>
+            <a:ext cx="7765200" cy="365760"/>
           </a:xfrm>
           <a:prstGeom prst="rect">
             <a:avLst/>
@@ -11347,7 +11347,7 @@
         <p:spPr>
           <a:xfrm>
             <a:off x="360" y="6498000"/>
-            <a:ext cx="1054080" cy="357480"/>
+            <a:ext cx="1053720" cy="357120"/>
           </a:xfrm>
           <a:prstGeom prst="rect">
             <a:avLst/>
@@ -11437,7 +11437,7 @@
         <p:spPr>
           <a:xfrm>
             <a:off x="1145880" y="0"/>
-            <a:ext cx="9895680" cy="6853680"/>
+            <a:ext cx="9895320" cy="6853320"/>
           </a:xfrm>
           <a:prstGeom prst="rect">
             <a:avLst/>
@@ -11492,7 +11492,7 @@
         <p:spPr>
           <a:xfrm>
             <a:off x="0" y="5396760"/>
-            <a:ext cx="3043080" cy="1456200"/>
+            <a:ext cx="3042720" cy="1455840"/>
           </a:xfrm>
           <a:prstGeom prst="rtTriangle">
             <a:avLst/>
@@ -11523,7 +11523,7 @@
         <p:spPr>
           <a:xfrm>
             <a:off x="837720" y="1968120"/>
-            <a:ext cx="10514880" cy="638280"/>
+            <a:ext cx="10514520" cy="638280"/>
           </a:xfrm>
           <a:prstGeom prst="rect">
             <a:avLst/>
@@ -11582,7 +11582,7 @@
         <p:spPr>
           <a:xfrm>
             <a:off x="0" y="0"/>
-            <a:ext cx="7765560" cy="365760"/>
+            <a:ext cx="7765200" cy="365760"/>
           </a:xfrm>
           <a:prstGeom prst="rect">
             <a:avLst/>
@@ -11637,7 +11637,7 @@
         <p:spPr>
           <a:xfrm>
             <a:off x="0" y="6511680"/>
-            <a:ext cx="898920" cy="343800"/>
+            <a:ext cx="898560" cy="343440"/>
           </a:xfrm>
           <a:prstGeom prst="rect">
             <a:avLst/>
@@ -11727,7 +11727,7 @@
         <p:spPr>
           <a:xfrm>
             <a:off x="650160" y="459000"/>
-            <a:ext cx="10510560" cy="1320480"/>
+            <a:ext cx="10510200" cy="1320120"/>
           </a:xfrm>
           <a:prstGeom prst="rect">
             <a:avLst/>
@@ -11782,7 +11782,7 @@
         <p:spPr>
           <a:xfrm>
             <a:off x="0" y="5396760"/>
-            <a:ext cx="3043080" cy="1456200"/>
+            <a:ext cx="3042720" cy="1455840"/>
           </a:xfrm>
           <a:prstGeom prst="rtTriangle">
             <a:avLst/>
@@ -11813,7 +11813,7 @@
         <p:spPr>
           <a:xfrm>
             <a:off x="837720" y="1968120"/>
-            <a:ext cx="10514880" cy="2649960"/>
+            <a:ext cx="10514520" cy="2649960"/>
           </a:xfrm>
           <a:prstGeom prst="rect">
             <a:avLst/>
@@ -12018,7 +12018,7 @@
         <p:spPr>
           <a:xfrm>
             <a:off x="0" y="0"/>
-            <a:ext cx="7765560" cy="365760"/>
+            <a:ext cx="7765200" cy="365760"/>
           </a:xfrm>
           <a:prstGeom prst="rect">
             <a:avLst/>
@@ -12073,7 +12073,7 @@
         <p:spPr>
           <a:xfrm>
             <a:off x="0" y="6511680"/>
-            <a:ext cx="1078920" cy="343800"/>
+            <a:ext cx="1078560" cy="343440"/>
           </a:xfrm>
           <a:prstGeom prst="rect">
             <a:avLst/>
@@ -12129,7 +12129,7 @@
         <p:spPr>
           <a:xfrm>
             <a:off x="4657320" y="4320000"/>
-            <a:ext cx="2901240" cy="2158560"/>
+            <a:ext cx="2900880" cy="2158200"/>
           </a:xfrm>
           <a:prstGeom prst="rect">
             <a:avLst/>
@@ -12148,7 +12148,7 @@
         <p:spPr>
           <a:xfrm>
             <a:off x="5580000" y="6480000"/>
-            <a:ext cx="1620000" cy="230760"/>
+            <a:ext cx="1619640" cy="230400"/>
           </a:xfrm>
           <a:prstGeom prst="rect">
             <a:avLst/>
@@ -12238,7 +12238,7 @@
         <p:spPr>
           <a:xfrm>
             <a:off x="650160" y="459000"/>
-            <a:ext cx="10510560" cy="1320480"/>
+            <a:ext cx="10510200" cy="1320120"/>
           </a:xfrm>
           <a:prstGeom prst="rect">
             <a:avLst/>
@@ -12293,7 +12293,7 @@
         <p:spPr>
           <a:xfrm>
             <a:off x="0" y="5396760"/>
-            <a:ext cx="3043080" cy="1456200"/>
+            <a:ext cx="3042720" cy="1455840"/>
           </a:xfrm>
           <a:prstGeom prst="rtTriangle">
             <a:avLst/>
@@ -12324,7 +12324,7 @@
         <p:spPr>
           <a:xfrm>
             <a:off x="837720" y="1968120"/>
-            <a:ext cx="10514880" cy="3015720"/>
+            <a:ext cx="10514520" cy="3015720"/>
           </a:xfrm>
           <a:prstGeom prst="rect">
             <a:avLst/>
@@ -12597,7 +12597,7 @@
         <p:spPr>
           <a:xfrm>
             <a:off x="0" y="0"/>
-            <a:ext cx="7765560" cy="365760"/>
+            <a:ext cx="7765200" cy="365760"/>
           </a:xfrm>
           <a:prstGeom prst="rect">
             <a:avLst/>
@@ -12656,7 +12656,7 @@
         <p:spPr>
           <a:xfrm>
             <a:off x="7920000" y="2350080"/>
-            <a:ext cx="3778560" cy="2148480"/>
+            <a:ext cx="3778200" cy="2148120"/>
           </a:xfrm>
           <a:prstGeom prst="rect">
             <a:avLst/>
@@ -12679,7 +12679,7 @@
         <p:spPr>
           <a:xfrm>
             <a:off x="7920000" y="4500000"/>
-            <a:ext cx="3795840" cy="2158560"/>
+            <a:ext cx="3795480" cy="2158200"/>
           </a:xfrm>
           <a:prstGeom prst="rect">
             <a:avLst/>
@@ -12698,7 +12698,7 @@
         <p:spPr>
           <a:xfrm>
             <a:off x="0" y="6511680"/>
-            <a:ext cx="898920" cy="343800"/>
+            <a:ext cx="898560" cy="343440"/>
           </a:xfrm>
           <a:prstGeom prst="rect">
             <a:avLst/>
@@ -12788,7 +12788,7 @@
         <p:spPr>
           <a:xfrm>
             <a:off x="650160" y="459000"/>
-            <a:ext cx="10510560" cy="1320480"/>
+            <a:ext cx="10510200" cy="1320120"/>
           </a:xfrm>
           <a:prstGeom prst="rect">
             <a:avLst/>
@@ -12843,7 +12843,7 @@
         <p:spPr>
           <a:xfrm>
             <a:off x="0" y="5401080"/>
-            <a:ext cx="3043080" cy="1456200"/>
+            <a:ext cx="3042720" cy="1455840"/>
           </a:xfrm>
           <a:prstGeom prst="rtTriangle">
             <a:avLst/>
@@ -12874,7 +12874,7 @@
         <p:spPr>
           <a:xfrm>
             <a:off x="837720" y="1968120"/>
-            <a:ext cx="10514880" cy="4478760"/>
+            <a:ext cx="10514520" cy="4478760"/>
           </a:xfrm>
           <a:prstGeom prst="rect">
             <a:avLst/>
@@ -13199,7 +13199,7 @@
         <p:spPr>
           <a:xfrm>
             <a:off x="0" y="0"/>
-            <a:ext cx="7765560" cy="365760"/>
+            <a:ext cx="7765200" cy="365760"/>
           </a:xfrm>
           <a:prstGeom prst="rect">
             <a:avLst/>
@@ -13254,7 +13254,7 @@
         <p:spPr>
           <a:xfrm>
             <a:off x="0" y="6512400"/>
-            <a:ext cx="1078920" cy="343800"/>
+            <a:ext cx="1078560" cy="343440"/>
           </a:xfrm>
           <a:prstGeom prst="rect">
             <a:avLst/>
@@ -13310,7 +13310,7 @@
         <p:spPr>
           <a:xfrm>
             <a:off x="7020000" y="2520000"/>
-            <a:ext cx="4332600" cy="1958760"/>
+            <a:ext cx="4332240" cy="1958400"/>
           </a:xfrm>
           <a:prstGeom prst="rect">
             <a:avLst/>
@@ -13333,7 +13333,7 @@
         <p:spPr>
           <a:xfrm>
             <a:off x="6840000" y="4476600"/>
-            <a:ext cx="4318560" cy="2181960"/>
+            <a:ext cx="4318200" cy="2181600"/>
           </a:xfrm>
           <a:prstGeom prst="rect">
             <a:avLst/>
@@ -13390,7 +13390,7 @@
         <p:spPr>
           <a:xfrm>
             <a:off x="650160" y="459000"/>
-            <a:ext cx="10510560" cy="1320480"/>
+            <a:ext cx="10510200" cy="1320120"/>
           </a:xfrm>
           <a:prstGeom prst="rect">
             <a:avLst/>
@@ -13445,7 +13445,7 @@
         <p:spPr>
           <a:xfrm>
             <a:off x="0" y="5396760"/>
-            <a:ext cx="3043080" cy="1456200"/>
+            <a:ext cx="3042720" cy="1455840"/>
           </a:xfrm>
           <a:prstGeom prst="rtTriangle">
             <a:avLst/>
@@ -13476,7 +13476,7 @@
         <p:spPr>
           <a:xfrm>
             <a:off x="837720" y="1968120"/>
-            <a:ext cx="10514880" cy="638280"/>
+            <a:ext cx="10514520" cy="638280"/>
           </a:xfrm>
           <a:prstGeom prst="rect">
             <a:avLst/>
@@ -13535,7 +13535,7 @@
         <p:spPr>
           <a:xfrm>
             <a:off x="0" y="0"/>
-            <a:ext cx="7765560" cy="365760"/>
+            <a:ext cx="7765200" cy="365760"/>
           </a:xfrm>
           <a:prstGeom prst="rect">
             <a:avLst/>
@@ -13590,7 +13590,7 @@
         <p:spPr>
           <a:xfrm>
             <a:off x="837720" y="1968120"/>
-            <a:ext cx="10514880" cy="3381480"/>
+            <a:ext cx="10514520" cy="3381480"/>
           </a:xfrm>
           <a:prstGeom prst="rect">
             <a:avLst/>
@@ -13833,7 +13833,7 @@
         <p:spPr>
           <a:xfrm>
             <a:off x="0" y="6511680"/>
-            <a:ext cx="1078920" cy="343800"/>
+            <a:ext cx="1078560" cy="343440"/>
           </a:xfrm>
           <a:prstGeom prst="rect">
             <a:avLst/>
@@ -13889,7 +13889,7 @@
         <p:spPr>
           <a:xfrm>
             <a:off x="3726360" y="3960000"/>
-            <a:ext cx="5092200" cy="2403000"/>
+            <a:ext cx="5091840" cy="2402640"/>
           </a:xfrm>
           <a:prstGeom prst="rect">
             <a:avLst/>
@@ -13908,7 +13908,7 @@
         <p:spPr>
           <a:xfrm>
             <a:off x="4232880" y="6300000"/>
-            <a:ext cx="4227120" cy="230760"/>
+            <a:ext cx="4226760" cy="230400"/>
           </a:xfrm>
           <a:prstGeom prst="rect">
             <a:avLst/>
@@ -13998,7 +13998,7 @@
         <p:spPr>
           <a:xfrm>
             <a:off x="838440" y="0"/>
-            <a:ext cx="10510560" cy="6853680"/>
+            <a:ext cx="10510200" cy="6853320"/>
           </a:xfrm>
           <a:prstGeom prst="rect">
             <a:avLst/>
@@ -14053,7 +14053,7 @@
         <p:spPr>
           <a:xfrm>
             <a:off x="0" y="5396760"/>
-            <a:ext cx="3043080" cy="1456200"/>
+            <a:ext cx="3042720" cy="1455840"/>
           </a:xfrm>
           <a:prstGeom prst="rtTriangle">
             <a:avLst/>
@@ -14084,7 +14084,7 @@
         <p:spPr>
           <a:xfrm>
             <a:off x="837720" y="1968120"/>
-            <a:ext cx="10514880" cy="638280"/>
+            <a:ext cx="10514520" cy="638280"/>
           </a:xfrm>
           <a:prstGeom prst="rect">
             <a:avLst/>
@@ -14143,7 +14143,7 @@
         <p:spPr>
           <a:xfrm>
             <a:off x="0" y="0"/>
-            <a:ext cx="7765560" cy="365760"/>
+            <a:ext cx="7765200" cy="365760"/>
           </a:xfrm>
           <a:prstGeom prst="rect">
             <a:avLst/>
@@ -14198,7 +14198,7 @@
         <p:spPr>
           <a:xfrm>
             <a:off x="0" y="6511680"/>
-            <a:ext cx="1078920" cy="343800"/>
+            <a:ext cx="1078560" cy="343440"/>
           </a:xfrm>
           <a:prstGeom prst="rect">
             <a:avLst/>
@@ -14288,7 +14288,7 @@
         <p:spPr>
           <a:xfrm>
             <a:off x="650160" y="459000"/>
-            <a:ext cx="10510560" cy="1320480"/>
+            <a:ext cx="10510200" cy="1320120"/>
           </a:xfrm>
           <a:prstGeom prst="rect">
             <a:avLst/>
@@ -14343,7 +14343,7 @@
         <p:spPr>
           <a:xfrm>
             <a:off x="0" y="5396760"/>
-            <a:ext cx="3043080" cy="1456200"/>
+            <a:ext cx="3042720" cy="1455840"/>
           </a:xfrm>
           <a:prstGeom prst="rtTriangle">
             <a:avLst/>
@@ -14374,7 +14374,7 @@
         <p:spPr>
           <a:xfrm>
             <a:off x="837720" y="1968120"/>
-            <a:ext cx="10514880" cy="1918440"/>
+            <a:ext cx="10514520" cy="1918440"/>
           </a:xfrm>
           <a:prstGeom prst="rect">
             <a:avLst/>
@@ -14477,7 +14477,7 @@
         <p:spPr>
           <a:xfrm>
             <a:off x="0" y="0"/>
-            <a:ext cx="7765560" cy="365760"/>
+            <a:ext cx="7765200" cy="365760"/>
           </a:xfrm>
           <a:prstGeom prst="rect">
             <a:avLst/>
@@ -14536,7 +14536,7 @@
         <p:spPr>
           <a:xfrm>
             <a:off x="945000" y="3420000"/>
-            <a:ext cx="10573560" cy="1798560"/>
+            <a:ext cx="10573200" cy="1798200"/>
           </a:xfrm>
           <a:prstGeom prst="rect">
             <a:avLst/>
@@ -14555,7 +14555,7 @@
         <p:spPr>
           <a:xfrm>
             <a:off x="0" y="6511680"/>
-            <a:ext cx="1258920" cy="343800"/>
+            <a:ext cx="1258560" cy="343440"/>
           </a:xfrm>
           <a:prstGeom prst="rect">
             <a:avLst/>
@@ -14607,7 +14607,7 @@
         <p:spPr>
           <a:xfrm>
             <a:off x="10160280" y="5040000"/>
-            <a:ext cx="1539000" cy="229680"/>
+            <a:ext cx="1538640" cy="229320"/>
           </a:xfrm>
           <a:prstGeom prst="rect">
             <a:avLst/>

--- a/DDM_Presentation_Kapala_Marlon.pptx
+++ b/DDM_Presentation_Kapala_Marlon.pptx
@@ -3414,7 +3414,49 @@
               <a:rPr b="0" lang="de-DE" sz="4400" spc="-1" strike="noStrike">
                 <a:latin typeface="Arial"/>
               </a:rPr>
-              <a:t>Click to edit the title text format</a:t>
+              <a:t>Clic</a:t>
+            </a:r>
+            <a:r>
+              <a:rPr b="0" lang="de-DE" sz="4400" spc="-1" strike="noStrike">
+                <a:latin typeface="Arial"/>
+              </a:rPr>
+              <a:t>k to </a:t>
+            </a:r>
+            <a:r>
+              <a:rPr b="0" lang="de-DE" sz="4400" spc="-1" strike="noStrike">
+                <a:latin typeface="Arial"/>
+              </a:rPr>
+              <a:t>edit </a:t>
+            </a:r>
+            <a:r>
+              <a:rPr b="0" lang="de-DE" sz="4400" spc="-1" strike="noStrike">
+                <a:latin typeface="Arial"/>
+              </a:rPr>
+              <a:t>the </a:t>
+            </a:r>
+            <a:r>
+              <a:rPr b="0" lang="de-DE" sz="4400" spc="-1" strike="noStrike">
+                <a:latin typeface="Arial"/>
+              </a:rPr>
+              <a:t>title </a:t>
+            </a:r>
+            <a:r>
+              <a:rPr b="0" lang="de-DE" sz="4400" spc="-1" strike="noStrike">
+                <a:latin typeface="Arial"/>
+              </a:rPr>
+              <a:t>text </a:t>
+            </a:r>
+            <a:r>
+              <a:rPr b="0" lang="de-DE" sz="4400" spc="-1" strike="noStrike">
+                <a:latin typeface="Arial"/>
+              </a:rPr>
+              <a:t>for</a:t>
+            </a:r>
+            <a:r>
+              <a:rPr b="0" lang="de-DE" sz="4400" spc="-1" strike="noStrike">
+                <a:latin typeface="Arial"/>
+              </a:rPr>
+              <a:t>mat</a:t>
             </a:r>
             <a:endParaRPr b="0" lang="de-DE" sz="4400" spc="-1" strike="noStrike">
               <a:latin typeface="Arial"/>
@@ -8747,7 +8789,7 @@
                 <a:latin typeface="Arial"/>
                 <a:ea typeface="Arial"/>
               </a:rPr>
-              <a:t>SVMs are used on the learned representations</a:t>
+              <a:t>Support Vector Machines are used on the learned representations</a:t>
             </a:r>
             <a:endParaRPr b="0" lang="de-DE" sz="2400" spc="-1" strike="noStrike">
               <a:latin typeface="Arial"/>
